--- a/contributor-guide/refs/contributor-guide.pptx
+++ b/contributor-guide/refs/contributor-guide.pptx
@@ -6,8 +6,11 @@
   </p:sldMasterIdLst>
   <p:sldIdLst>
     <p:sldId id="258" r:id="rId2"/>
-    <p:sldId id="256" r:id="rId3"/>
-    <p:sldId id="257" r:id="rId4"/>
+    <p:sldId id="261" r:id="rId3"/>
+    <p:sldId id="260" r:id="rId4"/>
+    <p:sldId id="259" r:id="rId5"/>
+    <p:sldId id="256" r:id="rId6"/>
+    <p:sldId id="257" r:id="rId7"/>
   </p:sldIdLst>
   <p:sldSz cx="21674138" cy="12192000"/>
   <p:notesSz cx="6858000" cy="9144000"/>
@@ -106,6 +109,11 @@
       </a:defRPr>
     </a:lvl9pPr>
   </p:defaultTextStyle>
+  <p:extLst>
+    <p:ext uri="{EFAFB233-063F-42B5-8137-9DF3F51BA10A}">
+      <p15:sldGuideLst xmlns:p15="http://schemas.microsoft.com/office/powerpoint/2012/main"/>
+    </p:ext>
+  </p:extLst>
 </p:presentation>
 </file>
 
@@ -240,7 +248,7 @@
           <a:p>
             <a:fld id="{AC3BE846-C827-43AA-99F7-8D7B0CDCB496}" type="datetimeFigureOut">
               <a:rPr lang="fr-FR" smtClean="0"/>
-              <a:t>28/10/2020</a:t>
+              <a:t>29/10/2020</a:t>
             </a:fld>
             <a:endParaRPr lang="fr-FR"/>
           </a:p>
@@ -410,7 +418,7 @@
           <a:p>
             <a:fld id="{AC3BE846-C827-43AA-99F7-8D7B0CDCB496}" type="datetimeFigureOut">
               <a:rPr lang="fr-FR" smtClean="0"/>
-              <a:t>28/10/2020</a:t>
+              <a:t>29/10/2020</a:t>
             </a:fld>
             <a:endParaRPr lang="fr-FR"/>
           </a:p>
@@ -590,7 +598,7 @@
           <a:p>
             <a:fld id="{AC3BE846-C827-43AA-99F7-8D7B0CDCB496}" type="datetimeFigureOut">
               <a:rPr lang="fr-FR" smtClean="0"/>
-              <a:t>28/10/2020</a:t>
+              <a:t>29/10/2020</a:t>
             </a:fld>
             <a:endParaRPr lang="fr-FR"/>
           </a:p>
@@ -760,7 +768,7 @@
           <a:p>
             <a:fld id="{AC3BE846-C827-43AA-99F7-8D7B0CDCB496}" type="datetimeFigureOut">
               <a:rPr lang="fr-FR" smtClean="0"/>
-              <a:t>28/10/2020</a:t>
+              <a:t>29/10/2020</a:t>
             </a:fld>
             <a:endParaRPr lang="fr-FR"/>
           </a:p>
@@ -1006,7 +1014,7 @@
           <a:p>
             <a:fld id="{AC3BE846-C827-43AA-99F7-8D7B0CDCB496}" type="datetimeFigureOut">
               <a:rPr lang="fr-FR" smtClean="0"/>
-              <a:t>28/10/2020</a:t>
+              <a:t>29/10/2020</a:t>
             </a:fld>
             <a:endParaRPr lang="fr-FR"/>
           </a:p>
@@ -1238,7 +1246,7 @@
           <a:p>
             <a:fld id="{AC3BE846-C827-43AA-99F7-8D7B0CDCB496}" type="datetimeFigureOut">
               <a:rPr lang="fr-FR" smtClean="0"/>
-              <a:t>28/10/2020</a:t>
+              <a:t>29/10/2020</a:t>
             </a:fld>
             <a:endParaRPr lang="fr-FR"/>
           </a:p>
@@ -1605,7 +1613,7 @@
           <a:p>
             <a:fld id="{AC3BE846-C827-43AA-99F7-8D7B0CDCB496}" type="datetimeFigureOut">
               <a:rPr lang="fr-FR" smtClean="0"/>
-              <a:t>28/10/2020</a:t>
+              <a:t>29/10/2020</a:t>
             </a:fld>
             <a:endParaRPr lang="fr-FR"/>
           </a:p>
@@ -1723,7 +1731,7 @@
           <a:p>
             <a:fld id="{AC3BE846-C827-43AA-99F7-8D7B0CDCB496}" type="datetimeFigureOut">
               <a:rPr lang="fr-FR" smtClean="0"/>
-              <a:t>28/10/2020</a:t>
+              <a:t>29/10/2020</a:t>
             </a:fld>
             <a:endParaRPr lang="fr-FR"/>
           </a:p>
@@ -1818,7 +1826,7 @@
           <a:p>
             <a:fld id="{AC3BE846-C827-43AA-99F7-8D7B0CDCB496}" type="datetimeFigureOut">
               <a:rPr lang="fr-FR" smtClean="0"/>
-              <a:t>28/10/2020</a:t>
+              <a:t>29/10/2020</a:t>
             </a:fld>
             <a:endParaRPr lang="fr-FR"/>
           </a:p>
@@ -2095,7 +2103,7 @@
           <a:p>
             <a:fld id="{AC3BE846-C827-43AA-99F7-8D7B0CDCB496}" type="datetimeFigureOut">
               <a:rPr lang="fr-FR" smtClean="0"/>
-              <a:t>28/10/2020</a:t>
+              <a:t>29/10/2020</a:t>
             </a:fld>
             <a:endParaRPr lang="fr-FR"/>
           </a:p>
@@ -2352,7 +2360,7 @@
           <a:p>
             <a:fld id="{AC3BE846-C827-43AA-99F7-8D7B0CDCB496}" type="datetimeFigureOut">
               <a:rPr lang="fr-FR" smtClean="0"/>
-              <a:t>28/10/2020</a:t>
+              <a:t>29/10/2020</a:t>
             </a:fld>
             <a:endParaRPr lang="fr-FR"/>
           </a:p>
@@ -2565,7 +2573,7 @@
           <a:p>
             <a:fld id="{AC3BE846-C827-43AA-99F7-8D7B0CDCB496}" type="datetimeFigureOut">
               <a:rPr lang="fr-FR" smtClean="0"/>
-              <a:t>28/10/2020</a:t>
+              <a:t>29/10/2020</a:t>
             </a:fld>
             <a:endParaRPr lang="fr-FR"/>
           </a:p>
@@ -3039,8 +3047,8 @@
         </p:nvCxnSpPr>
         <p:spPr>
           <a:xfrm rot="16200000" flipH="1">
-            <a:off x="3241282" y="3404150"/>
-            <a:ext cx="4404949" cy="1382744"/>
+            <a:off x="2621080" y="4024352"/>
+            <a:ext cx="5645353" cy="1382744"/>
           </a:xfrm>
           <a:prstGeom prst="bentConnector2">
             <a:avLst/>
@@ -3090,8 +3098,8 @@
         </p:nvCxnSpPr>
         <p:spPr>
           <a:xfrm rot="16200000" flipH="1">
-            <a:off x="2616386" y="4029045"/>
-            <a:ext cx="5677965" cy="1405969"/>
+            <a:off x="1996184" y="4649247"/>
+            <a:ext cx="6918369" cy="1405969"/>
           </a:xfrm>
           <a:prstGeom prst="bentConnector2">
             <a:avLst/>
@@ -3233,7 +3241,7 @@
         </p:nvSpPr>
         <p:spPr>
           <a:xfrm>
-            <a:off x="7154869" y="5941464"/>
+            <a:off x="7154869" y="7181868"/>
             <a:ext cx="984599" cy="584904"/>
           </a:xfrm>
           <a:prstGeom prst="rect">
@@ -3277,7 +3285,7 @@
         </p:blipFill>
         <p:spPr>
           <a:xfrm>
-            <a:off x="6135128" y="5683793"/>
+            <a:off x="6135128" y="6924197"/>
             <a:ext cx="984599" cy="1228407"/>
           </a:xfrm>
           <a:prstGeom prst="rect">
@@ -3307,7 +3315,7 @@
         </p:blipFill>
         <p:spPr>
           <a:xfrm>
-            <a:off x="6158353" y="6980539"/>
+            <a:off x="6158353" y="8220943"/>
             <a:ext cx="862007" cy="1180947"/>
           </a:xfrm>
           <a:prstGeom prst="rect">
@@ -3329,7 +3337,7 @@
         </p:nvSpPr>
         <p:spPr>
           <a:xfrm>
-            <a:off x="7154874" y="7242732"/>
+            <a:off x="7154874" y="8483136"/>
             <a:ext cx="7289618" cy="584904"/>
           </a:xfrm>
           <a:prstGeom prst="rect">
@@ -3381,7 +3389,7 @@
         </p:nvSpPr>
         <p:spPr>
           <a:xfrm>
-            <a:off x="8451166" y="5914045"/>
+            <a:off x="8451166" y="7154449"/>
             <a:ext cx="5699151" cy="584904"/>
           </a:xfrm>
           <a:prstGeom prst="rect">
@@ -3409,7 +3417,7 @@
             </a:r>
             <a:r>
               <a:rPr lang="fr-FR" sz="3201" dirty="0"/>
-              <a:t> files</a:t>
+              <a:t> files (if possible)</a:t>
             </a:r>
           </a:p>
         </p:txBody>
@@ -3510,7 +3518,7 @@
         </p:nvSpPr>
         <p:spPr>
           <a:xfrm>
-            <a:off x="12115126" y="7242732"/>
+            <a:off x="12115126" y="8483136"/>
             <a:ext cx="5699151" cy="584904"/>
           </a:xfrm>
           <a:prstGeom prst="rect">
@@ -3835,26 +3843,174 @@
           </a:fontRef>
         </p:style>
       </p:cxnSp>
+      <p:sp>
+        <p:nvSpPr>
+          <p:cNvPr id="56" name="ZoneTexte 55">
+            <a:extLst>
+              <a:ext uri="{FF2B5EF4-FFF2-40B4-BE49-F238E27FC236}">
+                <a16:creationId xmlns:a16="http://schemas.microsoft.com/office/drawing/2014/main" id="{E5BF0047-2F7E-4E96-BC6E-6133F57B8AB8}"/>
+              </a:ext>
+            </a:extLst>
+          </p:cNvPr>
+          <p:cNvSpPr txBox="1"/>
+          <p:nvPr/>
+        </p:nvSpPr>
+        <p:spPr>
+          <a:xfrm>
+            <a:off x="5289892" y="9660440"/>
+            <a:ext cx="6756334" cy="584904"/>
+          </a:xfrm>
+          <a:prstGeom prst="rect">
+            <a:avLst/>
+          </a:prstGeom>
+          <a:noFill/>
+        </p:spPr>
+        <p:txBody>
+          <a:bodyPr wrap="square" rtlCol="0">
+            <a:spAutoFit/>
+          </a:bodyPr>
+          <a:lstStyle/>
+          <a:p>
+            <a:r>
+              <a:rPr lang="fr-FR" sz="3201" dirty="0"/>
+              <a:t>Documentation </a:t>
+            </a:r>
+            <a:r>
+              <a:rPr lang="fr-FR" sz="3201" dirty="0" err="1"/>
+              <a:t>Generic</a:t>
+            </a:r>
+            <a:r>
+              <a:rPr lang="fr-FR" sz="3201" dirty="0"/>
+              <a:t> Structure</a:t>
+            </a:r>
+          </a:p>
+        </p:txBody>
+      </p:sp>
+      <p:sp>
+        <p:nvSpPr>
+          <p:cNvPr id="34" name="ZoneTexte 33">
+            <a:extLst>
+              <a:ext uri="{FF2B5EF4-FFF2-40B4-BE49-F238E27FC236}">
+                <a16:creationId xmlns:a16="http://schemas.microsoft.com/office/drawing/2014/main" id="{1FF4BB37-53AA-4B45-83EA-A71E93D5CD35}"/>
+              </a:ext>
+            </a:extLst>
+          </p:cNvPr>
+          <p:cNvSpPr txBox="1"/>
+          <p:nvPr/>
+        </p:nvSpPr>
+        <p:spPr>
+          <a:xfrm>
+            <a:off x="8158058" y="5911468"/>
+            <a:ext cx="1268915" cy="584904"/>
+          </a:xfrm>
+          <a:prstGeom prst="rect">
+            <a:avLst/>
+          </a:prstGeom>
+          <a:noFill/>
+        </p:spPr>
+        <p:txBody>
+          <a:bodyPr wrap="square" rtlCol="0">
+            <a:spAutoFit/>
+          </a:bodyPr>
+          <a:lstStyle/>
+          <a:p>
+            <a:r>
+              <a:rPr lang="fr-FR" sz="3201" b="1" dirty="0" err="1"/>
+              <a:t>icons</a:t>
+            </a:r>
+            <a:endParaRPr lang="fr-FR" sz="3201" b="1" dirty="0"/>
+          </a:p>
+        </p:txBody>
+      </p:sp>
+      <p:pic>
+        <p:nvPicPr>
+          <p:cNvPr id="35" name="Image 34">
+            <a:extLst>
+              <a:ext uri="{FF2B5EF4-FFF2-40B4-BE49-F238E27FC236}">
+                <a16:creationId xmlns:a16="http://schemas.microsoft.com/office/drawing/2014/main" id="{5F844BA8-9FC6-4CE2-9AD6-B552A7780BE2}"/>
+              </a:ext>
+            </a:extLst>
+          </p:cNvPr>
+          <p:cNvPicPr>
+            <a:picLocks noChangeAspect="1"/>
+          </p:cNvPicPr>
+          <p:nvPr/>
+        </p:nvPicPr>
+        <p:blipFill>
+          <a:blip r:embed="rId2"/>
+          <a:stretch>
+            <a:fillRect/>
+          </a:stretch>
+        </p:blipFill>
+        <p:spPr>
+          <a:xfrm>
+            <a:off x="7103166" y="5625555"/>
+            <a:ext cx="984599" cy="1228407"/>
+          </a:xfrm>
+          <a:prstGeom prst="rect">
+            <a:avLst/>
+          </a:prstGeom>
+        </p:spPr>
+      </p:pic>
+      <p:sp>
+        <p:nvSpPr>
+          <p:cNvPr id="36" name="ZoneTexte 35">
+            <a:extLst>
+              <a:ext uri="{FF2B5EF4-FFF2-40B4-BE49-F238E27FC236}">
+                <a16:creationId xmlns:a16="http://schemas.microsoft.com/office/drawing/2014/main" id="{0E2F74E0-92CD-4A89-A2E7-A4A238CAC873}"/>
+              </a:ext>
+            </a:extLst>
+          </p:cNvPr>
+          <p:cNvSpPr txBox="1"/>
+          <p:nvPr/>
+        </p:nvSpPr>
+        <p:spPr>
+          <a:xfrm>
+            <a:off x="9462740" y="5881858"/>
+            <a:ext cx="5699151" cy="584904"/>
+          </a:xfrm>
+          <a:prstGeom prst="rect">
+            <a:avLst/>
+          </a:prstGeom>
+          <a:noFill/>
+        </p:spPr>
+        <p:txBody>
+          <a:bodyPr wrap="square" rtlCol="0">
+            <a:spAutoFit/>
+          </a:bodyPr>
+          <a:lstStyle/>
+          <a:p>
+            <a:r>
+              <a:rPr lang="fr-FR" sz="3201" dirty="0" err="1"/>
+              <a:t>Icons</a:t>
+            </a:r>
+            <a:r>
+              <a:rPr lang="fr-FR" sz="3201" dirty="0"/>
+              <a:t> files</a:t>
+            </a:r>
+          </a:p>
+        </p:txBody>
+      </p:sp>
       <p:cxnSp>
         <p:nvCxnSpPr>
-          <p:cNvPr id="49" name="Connecteur droit avec flèche 21">
-            <a:extLst>
-              <a:ext uri="{FF2B5EF4-FFF2-40B4-BE49-F238E27FC236}">
-                <a16:creationId xmlns:a16="http://schemas.microsoft.com/office/drawing/2014/main" id="{04D11ACB-E1CE-4D27-A46A-E8060A034097}"/>
+          <p:cNvPr id="37" name="Connecteur droit avec flèche 21">
+            <a:extLst>
+              <a:ext uri="{FF2B5EF4-FFF2-40B4-BE49-F238E27FC236}">
+                <a16:creationId xmlns:a16="http://schemas.microsoft.com/office/drawing/2014/main" id="{8D1FEC80-9186-463F-8C8D-ABD2357A113F}"/>
               </a:ext>
             </a:extLst>
           </p:cNvPr>
           <p:cNvCxnSpPr>
             <a:cxnSpLocks/>
-            <a:stCxn id="50" idx="2"/>
-            <a:endCxn id="51" idx="1"/>
+            <a:stCxn id="10" idx="2"/>
+            <a:endCxn id="35" idx="1"/>
           </p:cNvCxnSpPr>
           <p:nvPr/>
         </p:nvCxnSpPr>
         <p:spPr>
           <a:xfrm rot="16200000" flipH="1">
-            <a:off x="6718835" y="9937937"/>
-            <a:ext cx="688837" cy="871650"/>
+            <a:off x="6569740" y="5706332"/>
+            <a:ext cx="555963" cy="510889"/>
           </a:xfrm>
           <a:prstGeom prst="bentConnector2">
             <a:avLst/>
@@ -3867,337 +4023,6 @@
               </a:schemeClr>
             </a:solidFill>
             <a:prstDash val="solid"/>
-            <a:headEnd type="none" w="med" len="med"/>
-            <a:tailEnd type="none" w="med" len="med"/>
-          </a:ln>
-        </p:spPr>
-        <p:style>
-          <a:lnRef idx="1">
-            <a:schemeClr val="accent1"/>
-          </a:lnRef>
-          <a:fillRef idx="0">
-            <a:schemeClr val="accent1"/>
-          </a:fillRef>
-          <a:effectRef idx="0">
-            <a:schemeClr val="accent1"/>
-          </a:effectRef>
-          <a:fontRef idx="minor">
-            <a:schemeClr val="tx1"/>
-          </a:fontRef>
-        </p:style>
-      </p:cxnSp>
-      <p:pic>
-        <p:nvPicPr>
-          <p:cNvPr id="50" name="Image 49">
-            <a:extLst>
-              <a:ext uri="{FF2B5EF4-FFF2-40B4-BE49-F238E27FC236}">
-                <a16:creationId xmlns:a16="http://schemas.microsoft.com/office/drawing/2014/main" id="{4CEA6124-9B53-43BD-81CB-9C3BA28C9DEB}"/>
-              </a:ext>
-            </a:extLst>
-          </p:cNvPr>
-          <p:cNvPicPr>
-            <a:picLocks noChangeAspect="1"/>
-          </p:cNvPicPr>
-          <p:nvPr/>
-        </p:nvPicPr>
-        <p:blipFill>
-          <a:blip r:embed="rId2"/>
-          <a:stretch>
-            <a:fillRect/>
-          </a:stretch>
-        </p:blipFill>
-        <p:spPr>
-          <a:xfrm>
-            <a:off x="6135128" y="8800937"/>
-            <a:ext cx="984599" cy="1228407"/>
-          </a:xfrm>
-          <a:prstGeom prst="rect">
-            <a:avLst/>
-          </a:prstGeom>
-        </p:spPr>
-      </p:pic>
-      <p:pic>
-        <p:nvPicPr>
-          <p:cNvPr id="51" name="Image 50">
-            <a:extLst>
-              <a:ext uri="{FF2B5EF4-FFF2-40B4-BE49-F238E27FC236}">
-                <a16:creationId xmlns:a16="http://schemas.microsoft.com/office/drawing/2014/main" id="{03B197DF-EEAC-41A7-9FAE-13E52307ECAE}"/>
-              </a:ext>
-            </a:extLst>
-          </p:cNvPr>
-          <p:cNvPicPr>
-            <a:picLocks noChangeAspect="1"/>
-          </p:cNvPicPr>
-          <p:nvPr/>
-        </p:nvPicPr>
-        <p:blipFill>
-          <a:blip r:embed="rId3"/>
-          <a:stretch>
-            <a:fillRect/>
-          </a:stretch>
-        </p:blipFill>
-        <p:spPr>
-          <a:xfrm>
-            <a:off x="7499078" y="10127707"/>
-            <a:ext cx="862007" cy="1180947"/>
-          </a:xfrm>
-          <a:prstGeom prst="rect">
-            <a:avLst/>
-          </a:prstGeom>
-        </p:spPr>
-      </p:pic>
-      <p:sp>
-        <p:nvSpPr>
-          <p:cNvPr id="52" name="ZoneTexte 51">
-            <a:extLst>
-              <a:ext uri="{FF2B5EF4-FFF2-40B4-BE49-F238E27FC236}">
-                <a16:creationId xmlns:a16="http://schemas.microsoft.com/office/drawing/2014/main" id="{FE0EB453-6D8C-4FA1-98FD-19A18957CE63}"/>
-              </a:ext>
-            </a:extLst>
-          </p:cNvPr>
-          <p:cNvSpPr txBox="1"/>
-          <p:nvPr/>
-        </p:nvSpPr>
-        <p:spPr>
-          <a:xfrm>
-            <a:off x="8495599" y="10389900"/>
-            <a:ext cx="7289618" cy="584904"/>
-          </a:xfrm>
-          <a:prstGeom prst="rect">
-            <a:avLst/>
-          </a:prstGeom>
-          <a:noFill/>
-        </p:spPr>
-        <p:txBody>
-          <a:bodyPr wrap="square" rtlCol="0">
-            <a:spAutoFit/>
-          </a:bodyPr>
-          <a:lstStyle/>
-          <a:p>
-            <a:r>
-              <a:rPr lang="fr-FR" sz="3201" dirty="0"/>
-              <a:t>&lt;</a:t>
-            </a:r>
-            <a:r>
-              <a:rPr lang="fr-FR" sz="3201" dirty="0" err="1"/>
-              <a:t>sectionB-filename</a:t>
-            </a:r>
-            <a:r>
-              <a:rPr lang="fr-FR" sz="3201" dirty="0"/>
-              <a:t>&gt;</a:t>
-            </a:r>
-            <a:r>
-              <a:rPr lang="fr-FR" sz="3201" b="1" dirty="0"/>
-              <a:t>.</a:t>
-            </a:r>
-            <a:r>
-              <a:rPr lang="fr-FR" sz="3201" b="1" dirty="0" err="1"/>
-              <a:t>adoc</a:t>
-            </a:r>
-            <a:endParaRPr lang="fr-FR" sz="3201" b="1" dirty="0"/>
-          </a:p>
-        </p:txBody>
-      </p:sp>
-      <p:sp>
-        <p:nvSpPr>
-          <p:cNvPr id="53" name="ZoneTexte 52">
-            <a:extLst>
-              <a:ext uri="{FF2B5EF4-FFF2-40B4-BE49-F238E27FC236}">
-                <a16:creationId xmlns:a16="http://schemas.microsoft.com/office/drawing/2014/main" id="{20223557-C628-4DC6-B66D-EE58CAAD5FD8}"/>
-              </a:ext>
-            </a:extLst>
-          </p:cNvPr>
-          <p:cNvSpPr txBox="1"/>
-          <p:nvPr/>
-        </p:nvSpPr>
-        <p:spPr>
-          <a:xfrm>
-            <a:off x="6946313" y="9024721"/>
-            <a:ext cx="5107764" cy="584904"/>
-          </a:xfrm>
-          <a:prstGeom prst="rect">
-            <a:avLst/>
-          </a:prstGeom>
-          <a:noFill/>
-        </p:spPr>
-        <p:txBody>
-          <a:bodyPr wrap="square" rtlCol="0">
-            <a:spAutoFit/>
-          </a:bodyPr>
-          <a:lstStyle/>
-          <a:p>
-            <a:r>
-              <a:rPr lang="fr-FR" sz="3201" b="1" dirty="0" err="1"/>
-              <a:t>sectionB</a:t>
-            </a:r>
-            <a:r>
-              <a:rPr lang="fr-FR" sz="3201" b="1" dirty="0"/>
-              <a:t>-folder</a:t>
-            </a:r>
-          </a:p>
-        </p:txBody>
-      </p:sp>
-      <p:sp>
-        <p:nvSpPr>
-          <p:cNvPr id="56" name="ZoneTexte 55">
-            <a:extLst>
-              <a:ext uri="{FF2B5EF4-FFF2-40B4-BE49-F238E27FC236}">
-                <a16:creationId xmlns:a16="http://schemas.microsoft.com/office/drawing/2014/main" id="{E5BF0047-2F7E-4E96-BC6E-6133F57B8AB8}"/>
-              </a:ext>
-            </a:extLst>
-          </p:cNvPr>
-          <p:cNvSpPr txBox="1"/>
-          <p:nvPr/>
-        </p:nvSpPr>
-        <p:spPr>
-          <a:xfrm>
-            <a:off x="13304838" y="10389900"/>
-            <a:ext cx="5699151" cy="584904"/>
-          </a:xfrm>
-          <a:prstGeom prst="rect">
-            <a:avLst/>
-          </a:prstGeom>
-          <a:noFill/>
-        </p:spPr>
-        <p:txBody>
-          <a:bodyPr wrap="square" rtlCol="0">
-            <a:spAutoFit/>
-          </a:bodyPr>
-          <a:lstStyle/>
-          <a:p>
-            <a:r>
-              <a:rPr lang="fr-FR" sz="3201" dirty="0"/>
-              <a:t>Documentation files</a:t>
-            </a:r>
-          </a:p>
-        </p:txBody>
-      </p:sp>
-      <p:cxnSp>
-        <p:nvCxnSpPr>
-          <p:cNvPr id="57" name="Connecteur droit avec flèche 21">
-            <a:extLst>
-              <a:ext uri="{FF2B5EF4-FFF2-40B4-BE49-F238E27FC236}">
-                <a16:creationId xmlns:a16="http://schemas.microsoft.com/office/drawing/2014/main" id="{D2299E9D-4B7E-4C3A-B9E2-CF16703518A7}"/>
-              </a:ext>
-            </a:extLst>
-          </p:cNvPr>
-          <p:cNvCxnSpPr>
-            <a:cxnSpLocks/>
-          </p:cNvCxnSpPr>
-          <p:nvPr/>
-        </p:nvCxnSpPr>
-        <p:spPr>
-          <a:xfrm rot="10800000" flipH="1" flipV="1">
-            <a:off x="6158352" y="7812313"/>
-            <a:ext cx="1340725" cy="3147168"/>
-          </a:xfrm>
-          <a:prstGeom prst="bentConnector3">
-            <a:avLst>
-              <a:gd name="adj1" fmla="val -34101"/>
-            </a:avLst>
-          </a:prstGeom>
-          <a:ln w="57150">
-            <a:solidFill>
-              <a:schemeClr val="accent2">
-                <a:lumMod val="75000"/>
-              </a:schemeClr>
-            </a:solidFill>
-            <a:prstDash val="solid"/>
-            <a:headEnd type="none" w="med" len="med"/>
-            <a:tailEnd type="none" w="med" len="med"/>
-          </a:ln>
-        </p:spPr>
-        <p:style>
-          <a:lnRef idx="1">
-            <a:schemeClr val="accent1"/>
-          </a:lnRef>
-          <a:fillRef idx="0">
-            <a:schemeClr val="accent1"/>
-          </a:fillRef>
-          <a:effectRef idx="0">
-            <a:schemeClr val="accent1"/>
-          </a:effectRef>
-          <a:fontRef idx="minor">
-            <a:schemeClr val="tx1"/>
-          </a:fontRef>
-        </p:style>
-      </p:cxnSp>
-      <p:sp>
-        <p:nvSpPr>
-          <p:cNvPr id="63" name="ZoneTexte 62">
-            <a:extLst>
-              <a:ext uri="{FF2B5EF4-FFF2-40B4-BE49-F238E27FC236}">
-                <a16:creationId xmlns:a16="http://schemas.microsoft.com/office/drawing/2014/main" id="{FC22F77D-F8A8-417D-9005-8A7B50D5890A}"/>
-              </a:ext>
-            </a:extLst>
-          </p:cNvPr>
-          <p:cNvSpPr txBox="1"/>
-          <p:nvPr/>
-        </p:nvSpPr>
-        <p:spPr>
-          <a:xfrm>
-            <a:off x="5795065" y="8198145"/>
-            <a:ext cx="5699151" cy="584904"/>
-          </a:xfrm>
-          <a:prstGeom prst="rect">
-            <a:avLst/>
-          </a:prstGeom>
-          <a:noFill/>
-        </p:spPr>
-        <p:txBody>
-          <a:bodyPr wrap="square" rtlCol="0">
-            <a:spAutoFit/>
-          </a:bodyPr>
-          <a:lstStyle/>
-          <a:p>
-            <a:r>
-              <a:rPr lang="fr-FR" sz="3201" b="1" dirty="0" err="1">
-                <a:solidFill>
-                  <a:srgbClr val="C00000"/>
-                </a:solidFill>
-              </a:rPr>
-              <a:t>include</a:t>
-            </a:r>
-            <a:endParaRPr lang="fr-FR" sz="3201" b="1" dirty="0">
-              <a:solidFill>
-                <a:srgbClr val="C00000"/>
-              </a:solidFill>
-            </a:endParaRPr>
-          </a:p>
-        </p:txBody>
-      </p:sp>
-      <p:cxnSp>
-        <p:nvCxnSpPr>
-          <p:cNvPr id="64" name="Connecteur droit avec flèche 21">
-            <a:extLst>
-              <a:ext uri="{FF2B5EF4-FFF2-40B4-BE49-F238E27FC236}">
-                <a16:creationId xmlns:a16="http://schemas.microsoft.com/office/drawing/2014/main" id="{A89F505B-87DF-4079-8D8B-C9115B354B69}"/>
-              </a:ext>
-            </a:extLst>
-          </p:cNvPr>
-          <p:cNvCxnSpPr>
-            <a:cxnSpLocks/>
-            <a:stCxn id="7" idx="2"/>
-            <a:endCxn id="50" idx="1"/>
-          </p:cNvCxnSpPr>
-          <p:nvPr/>
-        </p:nvCxnSpPr>
-        <p:spPr>
-          <a:xfrm rot="16200000" flipH="1">
-            <a:off x="1682710" y="4962722"/>
-            <a:ext cx="7522093" cy="1382744"/>
-          </a:xfrm>
-          <a:prstGeom prst="bentConnector2">
-            <a:avLst/>
-          </a:prstGeom>
-          <a:ln w="57150">
-            <a:solidFill>
-              <a:schemeClr val="accent1">
-                <a:lumMod val="40000"/>
-                <a:lumOff val="60000"/>
-              </a:schemeClr>
-            </a:solidFill>
-            <a:prstDash val="sysDash"/>
             <a:headEnd type="none" w="med" len="med"/>
             <a:tailEnd type="none" w="med" len="med"/>
           </a:ln>
@@ -4249,6 +4074,2790 @@
       </p:grpSpPr>
       <p:cxnSp>
         <p:nvCxnSpPr>
+          <p:cNvPr id="44" name="Connecteur droit avec flèche 21">
+            <a:extLst>
+              <a:ext uri="{FF2B5EF4-FFF2-40B4-BE49-F238E27FC236}">
+                <a16:creationId xmlns:a16="http://schemas.microsoft.com/office/drawing/2014/main" id="{DD04C6FA-082E-433E-BF80-9DDF3959C21C}"/>
+              </a:ext>
+            </a:extLst>
+          </p:cNvPr>
+          <p:cNvCxnSpPr>
+            <a:cxnSpLocks/>
+            <a:stCxn id="7" idx="2"/>
+            <a:endCxn id="14" idx="1"/>
+          </p:cNvCxnSpPr>
+          <p:nvPr/>
+        </p:nvCxnSpPr>
+        <p:spPr>
+          <a:xfrm rot="16200000" flipH="1">
+            <a:off x="5462952" y="4005193"/>
+            <a:ext cx="414204" cy="1405969"/>
+          </a:xfrm>
+          <a:prstGeom prst="bentConnector2">
+            <a:avLst/>
+          </a:prstGeom>
+          <a:ln w="57150">
+            <a:solidFill>
+              <a:schemeClr val="accent1">
+                <a:lumMod val="40000"/>
+                <a:lumOff val="60000"/>
+              </a:schemeClr>
+            </a:solidFill>
+            <a:prstDash val="solid"/>
+            <a:headEnd type="none" w="med" len="med"/>
+            <a:tailEnd type="none" w="med" len="med"/>
+          </a:ln>
+        </p:spPr>
+        <p:style>
+          <a:lnRef idx="1">
+            <a:schemeClr val="accent1"/>
+          </a:lnRef>
+          <a:fillRef idx="0">
+            <a:schemeClr val="accent1"/>
+          </a:fillRef>
+          <a:effectRef idx="0">
+            <a:schemeClr val="accent1"/>
+          </a:effectRef>
+          <a:fontRef idx="minor">
+            <a:schemeClr val="tx1"/>
+          </a:fontRef>
+        </p:style>
+      </p:cxnSp>
+      <p:pic>
+        <p:nvPicPr>
+          <p:cNvPr id="7" name="Image 6">
+            <a:extLst>
+              <a:ext uri="{FF2B5EF4-FFF2-40B4-BE49-F238E27FC236}">
+                <a16:creationId xmlns:a16="http://schemas.microsoft.com/office/drawing/2014/main" id="{CAB1C8A2-6BFB-483A-83CD-D43659CE480E}"/>
+              </a:ext>
+            </a:extLst>
+          </p:cNvPr>
+          <p:cNvPicPr>
+            <a:picLocks noChangeAspect="1"/>
+          </p:cNvPicPr>
+          <p:nvPr/>
+        </p:nvPicPr>
+        <p:blipFill>
+          <a:blip r:embed="rId2"/>
+          <a:stretch>
+            <a:fillRect/>
+          </a:stretch>
+        </p:blipFill>
+        <p:spPr>
+          <a:xfrm>
+            <a:off x="4474770" y="3272669"/>
+            <a:ext cx="984599" cy="1228407"/>
+          </a:xfrm>
+          <a:prstGeom prst="rect">
+            <a:avLst/>
+          </a:prstGeom>
+        </p:spPr>
+      </p:pic>
+      <p:pic>
+        <p:nvPicPr>
+          <p:cNvPr id="14" name="Image 13">
+            <a:extLst>
+              <a:ext uri="{FF2B5EF4-FFF2-40B4-BE49-F238E27FC236}">
+                <a16:creationId xmlns:a16="http://schemas.microsoft.com/office/drawing/2014/main" id="{BE0BF8D8-F10F-442F-9A94-53FD316A85B1}"/>
+              </a:ext>
+            </a:extLst>
+          </p:cNvPr>
+          <p:cNvPicPr>
+            <a:picLocks noChangeAspect="1"/>
+          </p:cNvPicPr>
+          <p:nvPr/>
+        </p:nvPicPr>
+        <p:blipFill>
+          <a:blip r:embed="rId3"/>
+          <a:stretch>
+            <a:fillRect/>
+          </a:stretch>
+        </p:blipFill>
+        <p:spPr>
+          <a:xfrm>
+            <a:off x="6373039" y="4324806"/>
+            <a:ext cx="862007" cy="1180947"/>
+          </a:xfrm>
+          <a:prstGeom prst="rect">
+            <a:avLst/>
+          </a:prstGeom>
+        </p:spPr>
+      </p:pic>
+      <p:sp>
+        <p:nvSpPr>
+          <p:cNvPr id="15" name="ZoneTexte 14">
+            <a:extLst>
+              <a:ext uri="{FF2B5EF4-FFF2-40B4-BE49-F238E27FC236}">
+                <a16:creationId xmlns:a16="http://schemas.microsoft.com/office/drawing/2014/main" id="{740B31A3-9540-40FE-8D4E-DCA4BD6816E0}"/>
+              </a:ext>
+            </a:extLst>
+          </p:cNvPr>
+          <p:cNvSpPr txBox="1"/>
+          <p:nvPr/>
+        </p:nvSpPr>
+        <p:spPr>
+          <a:xfrm>
+            <a:off x="7369560" y="4586999"/>
+            <a:ext cx="7289618" cy="584904"/>
+          </a:xfrm>
+          <a:prstGeom prst="rect">
+            <a:avLst/>
+          </a:prstGeom>
+          <a:noFill/>
+        </p:spPr>
+        <p:txBody>
+          <a:bodyPr wrap="square" rtlCol="0">
+            <a:spAutoFit/>
+          </a:bodyPr>
+          <a:lstStyle/>
+          <a:p>
+            <a:r>
+              <a:rPr lang="fr-FR" sz="3201" i="1" dirty="0"/>
+              <a:t>&lt;</a:t>
+            </a:r>
+            <a:r>
+              <a:rPr lang="fr-FR" sz="3201" i="1" dirty="0" err="1"/>
+              <a:t>sectionA-filename</a:t>
+            </a:r>
+            <a:r>
+              <a:rPr lang="fr-FR" sz="3201" i="1" dirty="0"/>
+              <a:t>&gt;</a:t>
+            </a:r>
+            <a:r>
+              <a:rPr lang="fr-FR" sz="3201" b="1" dirty="0"/>
+              <a:t>.</a:t>
+            </a:r>
+            <a:r>
+              <a:rPr lang="fr-FR" sz="3201" b="1" dirty="0" err="1"/>
+              <a:t>adoc</a:t>
+            </a:r>
+            <a:endParaRPr lang="fr-FR" sz="3201" b="1" dirty="0"/>
+          </a:p>
+        </p:txBody>
+      </p:sp>
+      <p:sp>
+        <p:nvSpPr>
+          <p:cNvPr id="69" name="ZoneTexte 68">
+            <a:extLst>
+              <a:ext uri="{FF2B5EF4-FFF2-40B4-BE49-F238E27FC236}">
+                <a16:creationId xmlns:a16="http://schemas.microsoft.com/office/drawing/2014/main" id="{03397BE5-FF80-4D43-A916-226DB7514755}"/>
+              </a:ext>
+            </a:extLst>
+          </p:cNvPr>
+          <p:cNvSpPr txBox="1"/>
+          <p:nvPr/>
+        </p:nvSpPr>
+        <p:spPr>
+          <a:xfrm>
+            <a:off x="5285955" y="3496453"/>
+            <a:ext cx="5107764" cy="584904"/>
+          </a:xfrm>
+          <a:prstGeom prst="rect">
+            <a:avLst/>
+          </a:prstGeom>
+          <a:noFill/>
+        </p:spPr>
+        <p:txBody>
+          <a:bodyPr wrap="square" rtlCol="0">
+            <a:spAutoFit/>
+          </a:bodyPr>
+          <a:lstStyle/>
+          <a:p>
+            <a:r>
+              <a:rPr lang="fr-FR" sz="3201" b="1" dirty="0" err="1"/>
+              <a:t>sectionA</a:t>
+            </a:r>
+            <a:r>
+              <a:rPr lang="fr-FR" sz="3201" b="1" dirty="0"/>
+              <a:t>-folder</a:t>
+            </a:r>
+          </a:p>
+        </p:txBody>
+      </p:sp>
+      <p:sp>
+        <p:nvSpPr>
+          <p:cNvPr id="88" name="ZoneTexte 87">
+            <a:extLst>
+              <a:ext uri="{FF2B5EF4-FFF2-40B4-BE49-F238E27FC236}">
+                <a16:creationId xmlns:a16="http://schemas.microsoft.com/office/drawing/2014/main" id="{E9953752-E501-4989-B4F4-F7226717B970}"/>
+              </a:ext>
+            </a:extLst>
+          </p:cNvPr>
+          <p:cNvSpPr txBox="1"/>
+          <p:nvPr/>
+        </p:nvSpPr>
+        <p:spPr>
+          <a:xfrm>
+            <a:off x="12329812" y="4586999"/>
+            <a:ext cx="5699151" cy="584904"/>
+          </a:xfrm>
+          <a:prstGeom prst="rect">
+            <a:avLst/>
+          </a:prstGeom>
+          <a:noFill/>
+        </p:spPr>
+        <p:txBody>
+          <a:bodyPr wrap="square" rtlCol="0">
+            <a:spAutoFit/>
+          </a:bodyPr>
+          <a:lstStyle/>
+          <a:p>
+            <a:r>
+              <a:rPr lang="fr-FR" sz="3201" dirty="0"/>
+              <a:t>Documentation files</a:t>
+            </a:r>
+          </a:p>
+        </p:txBody>
+      </p:sp>
+      <p:cxnSp>
+        <p:nvCxnSpPr>
+          <p:cNvPr id="49" name="Connecteur droit avec flèche 21">
+            <a:extLst>
+              <a:ext uri="{FF2B5EF4-FFF2-40B4-BE49-F238E27FC236}">
+                <a16:creationId xmlns:a16="http://schemas.microsoft.com/office/drawing/2014/main" id="{04D11ACB-E1CE-4D27-A46A-E8060A034097}"/>
+              </a:ext>
+            </a:extLst>
+          </p:cNvPr>
+          <p:cNvCxnSpPr>
+            <a:cxnSpLocks/>
+            <a:stCxn id="50" idx="2"/>
+            <a:endCxn id="51" idx="1"/>
+          </p:cNvCxnSpPr>
+          <p:nvPr/>
+        </p:nvCxnSpPr>
+        <p:spPr>
+          <a:xfrm rot="16200000" flipH="1">
+            <a:off x="6933521" y="7282204"/>
+            <a:ext cx="688837" cy="871650"/>
+          </a:xfrm>
+          <a:prstGeom prst="bentConnector2">
+            <a:avLst/>
+          </a:prstGeom>
+          <a:ln w="57150">
+            <a:solidFill>
+              <a:schemeClr val="accent1">
+                <a:lumMod val="40000"/>
+                <a:lumOff val="60000"/>
+              </a:schemeClr>
+            </a:solidFill>
+            <a:prstDash val="solid"/>
+            <a:headEnd type="none" w="med" len="med"/>
+            <a:tailEnd type="none" w="med" len="med"/>
+          </a:ln>
+        </p:spPr>
+        <p:style>
+          <a:lnRef idx="1">
+            <a:schemeClr val="accent1"/>
+          </a:lnRef>
+          <a:fillRef idx="0">
+            <a:schemeClr val="accent1"/>
+          </a:fillRef>
+          <a:effectRef idx="0">
+            <a:schemeClr val="accent1"/>
+          </a:effectRef>
+          <a:fontRef idx="minor">
+            <a:schemeClr val="tx1"/>
+          </a:fontRef>
+        </p:style>
+      </p:cxnSp>
+      <p:pic>
+        <p:nvPicPr>
+          <p:cNvPr id="50" name="Image 49">
+            <a:extLst>
+              <a:ext uri="{FF2B5EF4-FFF2-40B4-BE49-F238E27FC236}">
+                <a16:creationId xmlns:a16="http://schemas.microsoft.com/office/drawing/2014/main" id="{4CEA6124-9B53-43BD-81CB-9C3BA28C9DEB}"/>
+              </a:ext>
+            </a:extLst>
+          </p:cNvPr>
+          <p:cNvPicPr>
+            <a:picLocks noChangeAspect="1"/>
+          </p:cNvPicPr>
+          <p:nvPr/>
+        </p:nvPicPr>
+        <p:blipFill>
+          <a:blip r:embed="rId2"/>
+          <a:stretch>
+            <a:fillRect/>
+          </a:stretch>
+        </p:blipFill>
+        <p:spPr>
+          <a:xfrm>
+            <a:off x="6349814" y="6145204"/>
+            <a:ext cx="984599" cy="1228407"/>
+          </a:xfrm>
+          <a:prstGeom prst="rect">
+            <a:avLst/>
+          </a:prstGeom>
+        </p:spPr>
+      </p:pic>
+      <p:pic>
+        <p:nvPicPr>
+          <p:cNvPr id="51" name="Image 50">
+            <a:extLst>
+              <a:ext uri="{FF2B5EF4-FFF2-40B4-BE49-F238E27FC236}">
+                <a16:creationId xmlns:a16="http://schemas.microsoft.com/office/drawing/2014/main" id="{03B197DF-EEAC-41A7-9FAE-13E52307ECAE}"/>
+              </a:ext>
+            </a:extLst>
+          </p:cNvPr>
+          <p:cNvPicPr>
+            <a:picLocks noChangeAspect="1"/>
+          </p:cNvPicPr>
+          <p:nvPr/>
+        </p:nvPicPr>
+        <p:blipFill>
+          <a:blip r:embed="rId3"/>
+          <a:stretch>
+            <a:fillRect/>
+          </a:stretch>
+        </p:blipFill>
+        <p:spPr>
+          <a:xfrm>
+            <a:off x="7713764" y="7471974"/>
+            <a:ext cx="862007" cy="1180947"/>
+          </a:xfrm>
+          <a:prstGeom prst="rect">
+            <a:avLst/>
+          </a:prstGeom>
+        </p:spPr>
+      </p:pic>
+      <p:sp>
+        <p:nvSpPr>
+          <p:cNvPr id="52" name="ZoneTexte 51">
+            <a:extLst>
+              <a:ext uri="{FF2B5EF4-FFF2-40B4-BE49-F238E27FC236}">
+                <a16:creationId xmlns:a16="http://schemas.microsoft.com/office/drawing/2014/main" id="{FE0EB453-6D8C-4FA1-98FD-19A18957CE63}"/>
+              </a:ext>
+            </a:extLst>
+          </p:cNvPr>
+          <p:cNvSpPr txBox="1"/>
+          <p:nvPr/>
+        </p:nvSpPr>
+        <p:spPr>
+          <a:xfrm>
+            <a:off x="8710285" y="7734167"/>
+            <a:ext cx="7289618" cy="584904"/>
+          </a:xfrm>
+          <a:prstGeom prst="rect">
+            <a:avLst/>
+          </a:prstGeom>
+          <a:noFill/>
+        </p:spPr>
+        <p:txBody>
+          <a:bodyPr wrap="square" rtlCol="0">
+            <a:spAutoFit/>
+          </a:bodyPr>
+          <a:lstStyle/>
+          <a:p>
+            <a:r>
+              <a:rPr lang="fr-FR" sz="3201" dirty="0"/>
+              <a:t>&lt;</a:t>
+            </a:r>
+            <a:r>
+              <a:rPr lang="fr-FR" sz="3201" dirty="0" err="1"/>
+              <a:t>sectionB-filename</a:t>
+            </a:r>
+            <a:r>
+              <a:rPr lang="fr-FR" sz="3201" dirty="0"/>
+              <a:t>&gt;</a:t>
+            </a:r>
+            <a:r>
+              <a:rPr lang="fr-FR" sz="3201" b="1" dirty="0"/>
+              <a:t>.</a:t>
+            </a:r>
+            <a:r>
+              <a:rPr lang="fr-FR" sz="3201" b="1" dirty="0" err="1"/>
+              <a:t>adoc</a:t>
+            </a:r>
+            <a:endParaRPr lang="fr-FR" sz="3201" b="1" dirty="0"/>
+          </a:p>
+        </p:txBody>
+      </p:sp>
+      <p:sp>
+        <p:nvSpPr>
+          <p:cNvPr id="53" name="ZoneTexte 52">
+            <a:extLst>
+              <a:ext uri="{FF2B5EF4-FFF2-40B4-BE49-F238E27FC236}">
+                <a16:creationId xmlns:a16="http://schemas.microsoft.com/office/drawing/2014/main" id="{20223557-C628-4DC6-B66D-EE58CAAD5FD8}"/>
+              </a:ext>
+            </a:extLst>
+          </p:cNvPr>
+          <p:cNvSpPr txBox="1"/>
+          <p:nvPr/>
+        </p:nvSpPr>
+        <p:spPr>
+          <a:xfrm>
+            <a:off x="7160999" y="6368988"/>
+            <a:ext cx="5107764" cy="584904"/>
+          </a:xfrm>
+          <a:prstGeom prst="rect">
+            <a:avLst/>
+          </a:prstGeom>
+          <a:noFill/>
+        </p:spPr>
+        <p:txBody>
+          <a:bodyPr wrap="square" rtlCol="0">
+            <a:spAutoFit/>
+          </a:bodyPr>
+          <a:lstStyle/>
+          <a:p>
+            <a:r>
+              <a:rPr lang="fr-FR" sz="3201" b="1" dirty="0" err="1"/>
+              <a:t>sectionB</a:t>
+            </a:r>
+            <a:r>
+              <a:rPr lang="fr-FR" sz="3201" b="1" dirty="0"/>
+              <a:t>-folder</a:t>
+            </a:r>
+          </a:p>
+        </p:txBody>
+      </p:sp>
+      <p:sp>
+        <p:nvSpPr>
+          <p:cNvPr id="56" name="ZoneTexte 55">
+            <a:extLst>
+              <a:ext uri="{FF2B5EF4-FFF2-40B4-BE49-F238E27FC236}">
+                <a16:creationId xmlns:a16="http://schemas.microsoft.com/office/drawing/2014/main" id="{E5BF0047-2F7E-4E96-BC6E-6133F57B8AB8}"/>
+              </a:ext>
+            </a:extLst>
+          </p:cNvPr>
+          <p:cNvSpPr txBox="1"/>
+          <p:nvPr/>
+        </p:nvSpPr>
+        <p:spPr>
+          <a:xfrm>
+            <a:off x="13519524" y="7734167"/>
+            <a:ext cx="5699151" cy="584904"/>
+          </a:xfrm>
+          <a:prstGeom prst="rect">
+            <a:avLst/>
+          </a:prstGeom>
+          <a:noFill/>
+        </p:spPr>
+        <p:txBody>
+          <a:bodyPr wrap="square" rtlCol="0">
+            <a:spAutoFit/>
+          </a:bodyPr>
+          <a:lstStyle/>
+          <a:p>
+            <a:r>
+              <a:rPr lang="fr-FR" sz="3201" dirty="0"/>
+              <a:t>Documentation files</a:t>
+            </a:r>
+          </a:p>
+        </p:txBody>
+      </p:sp>
+      <p:cxnSp>
+        <p:nvCxnSpPr>
+          <p:cNvPr id="57" name="Connecteur droit avec flèche 21">
+            <a:extLst>
+              <a:ext uri="{FF2B5EF4-FFF2-40B4-BE49-F238E27FC236}">
+                <a16:creationId xmlns:a16="http://schemas.microsoft.com/office/drawing/2014/main" id="{D2299E9D-4B7E-4C3A-B9E2-CF16703518A7}"/>
+              </a:ext>
+            </a:extLst>
+          </p:cNvPr>
+          <p:cNvCxnSpPr>
+            <a:cxnSpLocks/>
+          </p:cNvCxnSpPr>
+          <p:nvPr/>
+        </p:nvCxnSpPr>
+        <p:spPr>
+          <a:xfrm rot="10800000" flipH="1" flipV="1">
+            <a:off x="6373038" y="5156580"/>
+            <a:ext cx="1340725" cy="3147168"/>
+          </a:xfrm>
+          <a:prstGeom prst="bentConnector3">
+            <a:avLst>
+              <a:gd name="adj1" fmla="val -34101"/>
+            </a:avLst>
+          </a:prstGeom>
+          <a:ln w="57150">
+            <a:solidFill>
+              <a:schemeClr val="accent2">
+                <a:lumMod val="75000"/>
+              </a:schemeClr>
+            </a:solidFill>
+            <a:prstDash val="solid"/>
+            <a:headEnd type="none" w="med" len="med"/>
+            <a:tailEnd type="none" w="med" len="med"/>
+          </a:ln>
+        </p:spPr>
+        <p:style>
+          <a:lnRef idx="1">
+            <a:schemeClr val="accent1"/>
+          </a:lnRef>
+          <a:fillRef idx="0">
+            <a:schemeClr val="accent1"/>
+          </a:fillRef>
+          <a:effectRef idx="0">
+            <a:schemeClr val="accent1"/>
+          </a:effectRef>
+          <a:fontRef idx="minor">
+            <a:schemeClr val="tx1"/>
+          </a:fontRef>
+        </p:style>
+      </p:cxnSp>
+      <p:sp>
+        <p:nvSpPr>
+          <p:cNvPr id="63" name="ZoneTexte 62">
+            <a:extLst>
+              <a:ext uri="{FF2B5EF4-FFF2-40B4-BE49-F238E27FC236}">
+                <a16:creationId xmlns:a16="http://schemas.microsoft.com/office/drawing/2014/main" id="{FC22F77D-F8A8-417D-9005-8A7B50D5890A}"/>
+              </a:ext>
+            </a:extLst>
+          </p:cNvPr>
+          <p:cNvSpPr txBox="1"/>
+          <p:nvPr/>
+        </p:nvSpPr>
+        <p:spPr>
+          <a:xfrm>
+            <a:off x="6009751" y="5518559"/>
+            <a:ext cx="10934479" cy="584904"/>
+          </a:xfrm>
+          <a:prstGeom prst="rect">
+            <a:avLst/>
+          </a:prstGeom>
+          <a:noFill/>
+        </p:spPr>
+        <p:txBody>
+          <a:bodyPr wrap="square" rtlCol="0">
+            <a:spAutoFit/>
+          </a:bodyPr>
+          <a:lstStyle/>
+          <a:p>
+            <a:r>
+              <a:rPr lang="en-US" sz="3201" b="1" dirty="0">
+                <a:solidFill>
+                  <a:srgbClr val="C00000"/>
+                </a:solidFill>
+              </a:rPr>
+              <a:t>include::</a:t>
+            </a:r>
+            <a:r>
+              <a:rPr lang="en-US" sz="3201" b="1" dirty="0" err="1">
+                <a:solidFill>
+                  <a:srgbClr val="C00000"/>
+                </a:solidFill>
+              </a:rPr>
+              <a:t>sectionB-filename.adoc</a:t>
+            </a:r>
+            <a:r>
+              <a:rPr lang="en-US" sz="3201" b="1" dirty="0">
+                <a:solidFill>
+                  <a:srgbClr val="C00000"/>
+                </a:solidFill>
+              </a:rPr>
+              <a:t>[</a:t>
+            </a:r>
+            <a:r>
+              <a:rPr lang="en-US" sz="3201" b="1" dirty="0" err="1">
+                <a:solidFill>
+                  <a:srgbClr val="C00000"/>
+                </a:solidFill>
+              </a:rPr>
+              <a:t>leveloffset</a:t>
+            </a:r>
+            <a:r>
+              <a:rPr lang="en-US" sz="3201" b="1" dirty="0">
+                <a:solidFill>
+                  <a:srgbClr val="C00000"/>
+                </a:solidFill>
+              </a:rPr>
+              <a:t>=+1,tag=all]</a:t>
+            </a:r>
+            <a:endParaRPr lang="fr-FR" sz="3201" b="1" dirty="0">
+              <a:solidFill>
+                <a:srgbClr val="C00000"/>
+              </a:solidFill>
+            </a:endParaRPr>
+          </a:p>
+        </p:txBody>
+      </p:sp>
+      <p:cxnSp>
+        <p:nvCxnSpPr>
+          <p:cNvPr id="64" name="Connecteur droit avec flèche 21">
+            <a:extLst>
+              <a:ext uri="{FF2B5EF4-FFF2-40B4-BE49-F238E27FC236}">
+                <a16:creationId xmlns:a16="http://schemas.microsoft.com/office/drawing/2014/main" id="{A89F505B-87DF-4079-8D8B-C9115B354B69}"/>
+              </a:ext>
+            </a:extLst>
+          </p:cNvPr>
+          <p:cNvCxnSpPr>
+            <a:cxnSpLocks/>
+            <a:stCxn id="7" idx="2"/>
+            <a:endCxn id="50" idx="1"/>
+          </p:cNvCxnSpPr>
+          <p:nvPr/>
+        </p:nvCxnSpPr>
+        <p:spPr>
+          <a:xfrm rot="16200000" flipH="1">
+            <a:off x="4529276" y="4938870"/>
+            <a:ext cx="2258332" cy="1382744"/>
+          </a:xfrm>
+          <a:prstGeom prst="bentConnector2">
+            <a:avLst/>
+          </a:prstGeom>
+          <a:ln w="57150">
+            <a:solidFill>
+              <a:schemeClr val="accent1">
+                <a:lumMod val="40000"/>
+                <a:lumOff val="60000"/>
+              </a:schemeClr>
+            </a:solidFill>
+            <a:prstDash val="sysDash"/>
+            <a:headEnd type="none" w="med" len="med"/>
+            <a:tailEnd type="none" w="med" len="med"/>
+          </a:ln>
+        </p:spPr>
+        <p:style>
+          <a:lnRef idx="1">
+            <a:schemeClr val="accent1"/>
+          </a:lnRef>
+          <a:fillRef idx="0">
+            <a:schemeClr val="accent1"/>
+          </a:fillRef>
+          <a:effectRef idx="0">
+            <a:schemeClr val="accent1"/>
+          </a:effectRef>
+          <a:fontRef idx="minor">
+            <a:schemeClr val="tx1"/>
+          </a:fontRef>
+        </p:style>
+      </p:cxnSp>
+      <p:sp>
+        <p:nvSpPr>
+          <p:cNvPr id="2" name="ZoneTexte 1">
+            <a:extLst>
+              <a:ext uri="{FF2B5EF4-FFF2-40B4-BE49-F238E27FC236}">
+                <a16:creationId xmlns:a16="http://schemas.microsoft.com/office/drawing/2014/main" id="{E8968CE3-B422-43A0-9CFF-0754C6DAE98B}"/>
+              </a:ext>
+            </a:extLst>
+          </p:cNvPr>
+          <p:cNvSpPr txBox="1"/>
+          <p:nvPr/>
+        </p:nvSpPr>
+        <p:spPr>
+          <a:xfrm>
+            <a:off x="14775798" y="693940"/>
+            <a:ext cx="6756334" cy="1077474"/>
+          </a:xfrm>
+          <a:prstGeom prst="rect">
+            <a:avLst/>
+          </a:prstGeom>
+          <a:noFill/>
+        </p:spPr>
+        <p:txBody>
+          <a:bodyPr wrap="square" rtlCol="0">
+            <a:spAutoFit/>
+          </a:bodyPr>
+          <a:lstStyle/>
+          <a:p>
+            <a:r>
+              <a:rPr lang="fr-FR" sz="3201" dirty="0"/>
+              <a:t>Documentation Inclusion (1)</a:t>
+            </a:r>
+          </a:p>
+          <a:p>
+            <a:r>
+              <a:rPr lang="fr-FR" sz="3201" dirty="0" err="1"/>
+              <a:t>Hierarchical</a:t>
+            </a:r>
+            <a:endParaRPr lang="fr-FR" sz="3201" dirty="0"/>
+          </a:p>
+        </p:txBody>
+      </p:sp>
+    </p:spTree>
+    <p:extLst>
+      <p:ext uri="{BB962C8B-B14F-4D97-AF65-F5344CB8AC3E}">
+        <p14:creationId xmlns:p14="http://schemas.microsoft.com/office/powerpoint/2010/main" val="3865163022"/>
+      </p:ext>
+    </p:extLst>
+  </p:cSld>
+  <p:clrMapOvr>
+    <a:masterClrMapping/>
+  </p:clrMapOvr>
+</p:sld>
+</file>
+
+<file path=ppt/slides/slide3.xml><?xml version="1.0" encoding="utf-8"?>
+<p:sld xmlns:a="http://schemas.openxmlformats.org/drawingml/2006/main" xmlns:r="http://schemas.openxmlformats.org/officeDocument/2006/relationships" xmlns:p="http://schemas.openxmlformats.org/presentationml/2006/main">
+  <p:cSld>
+    <p:spTree>
+      <p:nvGrpSpPr>
+        <p:cNvPr id="1" name=""/>
+        <p:cNvGrpSpPr/>
+        <p:nvPr/>
+      </p:nvGrpSpPr>
+      <p:grpSpPr>
+        <a:xfrm>
+          <a:off x="0" y="0"/>
+          <a:ext cx="0" cy="0"/>
+          <a:chOff x="0" y="0"/>
+          <a:chExt cx="0" cy="0"/>
+        </a:xfrm>
+      </p:grpSpPr>
+      <p:cxnSp>
+        <p:nvCxnSpPr>
+          <p:cNvPr id="44" name="Connecteur droit avec flèche 21">
+            <a:extLst>
+              <a:ext uri="{FF2B5EF4-FFF2-40B4-BE49-F238E27FC236}">
+                <a16:creationId xmlns:a16="http://schemas.microsoft.com/office/drawing/2014/main" id="{DD04C6FA-082E-433E-BF80-9DDF3959C21C}"/>
+              </a:ext>
+            </a:extLst>
+          </p:cNvPr>
+          <p:cNvCxnSpPr>
+            <a:cxnSpLocks/>
+            <a:stCxn id="7" idx="2"/>
+            <a:endCxn id="14" idx="1"/>
+          </p:cNvCxnSpPr>
+          <p:nvPr/>
+        </p:nvCxnSpPr>
+        <p:spPr>
+          <a:xfrm rot="16200000" flipH="1">
+            <a:off x="5152850" y="3369089"/>
+            <a:ext cx="605036" cy="1405969"/>
+          </a:xfrm>
+          <a:prstGeom prst="bentConnector2">
+            <a:avLst/>
+          </a:prstGeom>
+          <a:ln w="57150">
+            <a:solidFill>
+              <a:schemeClr val="accent1">
+                <a:lumMod val="40000"/>
+                <a:lumOff val="60000"/>
+              </a:schemeClr>
+            </a:solidFill>
+            <a:prstDash val="solid"/>
+            <a:headEnd type="none" w="med" len="med"/>
+            <a:tailEnd type="none" w="med" len="med"/>
+          </a:ln>
+        </p:spPr>
+        <p:style>
+          <a:lnRef idx="1">
+            <a:schemeClr val="accent1"/>
+          </a:lnRef>
+          <a:fillRef idx="0">
+            <a:schemeClr val="accent1"/>
+          </a:fillRef>
+          <a:effectRef idx="0">
+            <a:schemeClr val="accent1"/>
+          </a:effectRef>
+          <a:fontRef idx="minor">
+            <a:schemeClr val="tx1"/>
+          </a:fontRef>
+        </p:style>
+      </p:cxnSp>
+      <p:pic>
+        <p:nvPicPr>
+          <p:cNvPr id="7" name="Image 6">
+            <a:extLst>
+              <a:ext uri="{FF2B5EF4-FFF2-40B4-BE49-F238E27FC236}">
+                <a16:creationId xmlns:a16="http://schemas.microsoft.com/office/drawing/2014/main" id="{CAB1C8A2-6BFB-483A-83CD-D43659CE480E}"/>
+              </a:ext>
+            </a:extLst>
+          </p:cNvPr>
+          <p:cNvPicPr>
+            <a:picLocks noChangeAspect="1"/>
+          </p:cNvPicPr>
+          <p:nvPr/>
+        </p:nvPicPr>
+        <p:blipFill>
+          <a:blip r:embed="rId2"/>
+          <a:stretch>
+            <a:fillRect/>
+          </a:stretch>
+        </p:blipFill>
+        <p:spPr>
+          <a:xfrm>
+            <a:off x="4260084" y="2541149"/>
+            <a:ext cx="984599" cy="1228407"/>
+          </a:xfrm>
+          <a:prstGeom prst="rect">
+            <a:avLst/>
+          </a:prstGeom>
+        </p:spPr>
+      </p:pic>
+      <p:pic>
+        <p:nvPicPr>
+          <p:cNvPr id="14" name="Image 13">
+            <a:extLst>
+              <a:ext uri="{FF2B5EF4-FFF2-40B4-BE49-F238E27FC236}">
+                <a16:creationId xmlns:a16="http://schemas.microsoft.com/office/drawing/2014/main" id="{BE0BF8D8-F10F-442F-9A94-53FD316A85B1}"/>
+              </a:ext>
+            </a:extLst>
+          </p:cNvPr>
+          <p:cNvPicPr>
+            <a:picLocks noChangeAspect="1"/>
+          </p:cNvPicPr>
+          <p:nvPr/>
+        </p:nvPicPr>
+        <p:blipFill>
+          <a:blip r:embed="rId3"/>
+          <a:stretch>
+            <a:fillRect/>
+          </a:stretch>
+        </p:blipFill>
+        <p:spPr>
+          <a:xfrm>
+            <a:off x="6158353" y="3784118"/>
+            <a:ext cx="862007" cy="1180947"/>
+          </a:xfrm>
+          <a:prstGeom prst="rect">
+            <a:avLst/>
+          </a:prstGeom>
+        </p:spPr>
+      </p:pic>
+      <p:sp>
+        <p:nvSpPr>
+          <p:cNvPr id="15" name="ZoneTexte 14">
+            <a:extLst>
+              <a:ext uri="{FF2B5EF4-FFF2-40B4-BE49-F238E27FC236}">
+                <a16:creationId xmlns:a16="http://schemas.microsoft.com/office/drawing/2014/main" id="{740B31A3-9540-40FE-8D4E-DCA4BD6816E0}"/>
+              </a:ext>
+            </a:extLst>
+          </p:cNvPr>
+          <p:cNvSpPr txBox="1"/>
+          <p:nvPr/>
+        </p:nvSpPr>
+        <p:spPr>
+          <a:xfrm>
+            <a:off x="7154874" y="4046311"/>
+            <a:ext cx="7289618" cy="584904"/>
+          </a:xfrm>
+          <a:prstGeom prst="rect">
+            <a:avLst/>
+          </a:prstGeom>
+          <a:noFill/>
+        </p:spPr>
+        <p:txBody>
+          <a:bodyPr wrap="square" rtlCol="0">
+            <a:spAutoFit/>
+          </a:bodyPr>
+          <a:lstStyle/>
+          <a:p>
+            <a:r>
+              <a:rPr lang="fr-FR" sz="3201" i="1" dirty="0"/>
+              <a:t>&lt;</a:t>
+            </a:r>
+            <a:r>
+              <a:rPr lang="fr-FR" sz="3201" i="1" dirty="0" err="1"/>
+              <a:t>sectionA-filename</a:t>
+            </a:r>
+            <a:r>
+              <a:rPr lang="fr-FR" sz="3201" i="1" dirty="0"/>
+              <a:t>&gt;</a:t>
+            </a:r>
+            <a:r>
+              <a:rPr lang="fr-FR" sz="3201" b="1" dirty="0"/>
+              <a:t>.</a:t>
+            </a:r>
+            <a:r>
+              <a:rPr lang="fr-FR" sz="3201" b="1" dirty="0" err="1"/>
+              <a:t>adoc</a:t>
+            </a:r>
+            <a:endParaRPr lang="fr-FR" sz="3201" b="1" dirty="0"/>
+          </a:p>
+        </p:txBody>
+      </p:sp>
+      <p:sp>
+        <p:nvSpPr>
+          <p:cNvPr id="69" name="ZoneTexte 68">
+            <a:extLst>
+              <a:ext uri="{FF2B5EF4-FFF2-40B4-BE49-F238E27FC236}">
+                <a16:creationId xmlns:a16="http://schemas.microsoft.com/office/drawing/2014/main" id="{03397BE5-FF80-4D43-A916-226DB7514755}"/>
+              </a:ext>
+            </a:extLst>
+          </p:cNvPr>
+          <p:cNvSpPr txBox="1"/>
+          <p:nvPr/>
+        </p:nvSpPr>
+        <p:spPr>
+          <a:xfrm>
+            <a:off x="5071269" y="2764933"/>
+            <a:ext cx="5107764" cy="584904"/>
+          </a:xfrm>
+          <a:prstGeom prst="rect">
+            <a:avLst/>
+          </a:prstGeom>
+          <a:noFill/>
+        </p:spPr>
+        <p:txBody>
+          <a:bodyPr wrap="square" rtlCol="0">
+            <a:spAutoFit/>
+          </a:bodyPr>
+          <a:lstStyle/>
+          <a:p>
+            <a:r>
+              <a:rPr lang="fr-FR" sz="3201" b="1" dirty="0" err="1"/>
+              <a:t>sectionA</a:t>
+            </a:r>
+            <a:r>
+              <a:rPr lang="fr-FR" sz="3201" b="1" dirty="0"/>
+              <a:t>-folder</a:t>
+            </a:r>
+          </a:p>
+        </p:txBody>
+      </p:sp>
+      <p:sp>
+        <p:nvSpPr>
+          <p:cNvPr id="88" name="ZoneTexte 87">
+            <a:extLst>
+              <a:ext uri="{FF2B5EF4-FFF2-40B4-BE49-F238E27FC236}">
+                <a16:creationId xmlns:a16="http://schemas.microsoft.com/office/drawing/2014/main" id="{E9953752-E501-4989-B4F4-F7226717B970}"/>
+              </a:ext>
+            </a:extLst>
+          </p:cNvPr>
+          <p:cNvSpPr txBox="1"/>
+          <p:nvPr/>
+        </p:nvSpPr>
+        <p:spPr>
+          <a:xfrm>
+            <a:off x="12115126" y="4046311"/>
+            <a:ext cx="5699151" cy="584904"/>
+          </a:xfrm>
+          <a:prstGeom prst="rect">
+            <a:avLst/>
+          </a:prstGeom>
+          <a:noFill/>
+        </p:spPr>
+        <p:txBody>
+          <a:bodyPr wrap="square" rtlCol="0">
+            <a:spAutoFit/>
+          </a:bodyPr>
+          <a:lstStyle/>
+          <a:p>
+            <a:r>
+              <a:rPr lang="fr-FR" sz="3201" dirty="0"/>
+              <a:t>Documentation files</a:t>
+            </a:r>
+          </a:p>
+        </p:txBody>
+      </p:sp>
+      <p:cxnSp>
+        <p:nvCxnSpPr>
+          <p:cNvPr id="49" name="Connecteur droit avec flèche 21">
+            <a:extLst>
+              <a:ext uri="{FF2B5EF4-FFF2-40B4-BE49-F238E27FC236}">
+                <a16:creationId xmlns:a16="http://schemas.microsoft.com/office/drawing/2014/main" id="{04D11ACB-E1CE-4D27-A46A-E8060A034097}"/>
+              </a:ext>
+            </a:extLst>
+          </p:cNvPr>
+          <p:cNvCxnSpPr>
+            <a:cxnSpLocks/>
+            <a:stCxn id="50" idx="2"/>
+            <a:endCxn id="51" idx="1"/>
+          </p:cNvCxnSpPr>
+          <p:nvPr/>
+        </p:nvCxnSpPr>
+        <p:spPr>
+          <a:xfrm rot="16200000" flipH="1">
+            <a:off x="5184229" y="6487076"/>
+            <a:ext cx="688837" cy="1380529"/>
+          </a:xfrm>
+          <a:prstGeom prst="bentConnector2">
+            <a:avLst/>
+          </a:prstGeom>
+          <a:ln w="57150">
+            <a:solidFill>
+              <a:schemeClr val="accent1">
+                <a:lumMod val="40000"/>
+                <a:lumOff val="60000"/>
+              </a:schemeClr>
+            </a:solidFill>
+            <a:prstDash val="solid"/>
+            <a:headEnd type="none" w="med" len="med"/>
+            <a:tailEnd type="none" w="med" len="med"/>
+          </a:ln>
+        </p:spPr>
+        <p:style>
+          <a:lnRef idx="1">
+            <a:schemeClr val="accent1"/>
+          </a:lnRef>
+          <a:fillRef idx="0">
+            <a:schemeClr val="accent1"/>
+          </a:fillRef>
+          <a:effectRef idx="0">
+            <a:schemeClr val="accent1"/>
+          </a:effectRef>
+          <a:fontRef idx="minor">
+            <a:schemeClr val="tx1"/>
+          </a:fontRef>
+        </p:style>
+      </p:cxnSp>
+      <p:pic>
+        <p:nvPicPr>
+          <p:cNvPr id="50" name="Image 49">
+            <a:extLst>
+              <a:ext uri="{FF2B5EF4-FFF2-40B4-BE49-F238E27FC236}">
+                <a16:creationId xmlns:a16="http://schemas.microsoft.com/office/drawing/2014/main" id="{4CEA6124-9B53-43BD-81CB-9C3BA28C9DEB}"/>
+              </a:ext>
+            </a:extLst>
+          </p:cNvPr>
+          <p:cNvPicPr>
+            <a:picLocks noChangeAspect="1"/>
+          </p:cNvPicPr>
+          <p:nvPr/>
+        </p:nvPicPr>
+        <p:blipFill>
+          <a:blip r:embed="rId2"/>
+          <a:stretch>
+            <a:fillRect/>
+          </a:stretch>
+        </p:blipFill>
+        <p:spPr>
+          <a:xfrm>
+            <a:off x="4346083" y="5604516"/>
+            <a:ext cx="984599" cy="1228407"/>
+          </a:xfrm>
+          <a:prstGeom prst="rect">
+            <a:avLst/>
+          </a:prstGeom>
+        </p:spPr>
+      </p:pic>
+      <p:pic>
+        <p:nvPicPr>
+          <p:cNvPr id="51" name="Image 50">
+            <a:extLst>
+              <a:ext uri="{FF2B5EF4-FFF2-40B4-BE49-F238E27FC236}">
+                <a16:creationId xmlns:a16="http://schemas.microsoft.com/office/drawing/2014/main" id="{03B197DF-EEAC-41A7-9FAE-13E52307ECAE}"/>
+              </a:ext>
+            </a:extLst>
+          </p:cNvPr>
+          <p:cNvPicPr>
+            <a:picLocks noChangeAspect="1"/>
+          </p:cNvPicPr>
+          <p:nvPr/>
+        </p:nvPicPr>
+        <p:blipFill>
+          <a:blip r:embed="rId3"/>
+          <a:stretch>
+            <a:fillRect/>
+          </a:stretch>
+        </p:blipFill>
+        <p:spPr>
+          <a:xfrm>
+            <a:off x="6218912" y="6931286"/>
+            <a:ext cx="862007" cy="1180947"/>
+          </a:xfrm>
+          <a:prstGeom prst="rect">
+            <a:avLst/>
+          </a:prstGeom>
+        </p:spPr>
+      </p:pic>
+      <p:sp>
+        <p:nvSpPr>
+          <p:cNvPr id="52" name="ZoneTexte 51">
+            <a:extLst>
+              <a:ext uri="{FF2B5EF4-FFF2-40B4-BE49-F238E27FC236}">
+                <a16:creationId xmlns:a16="http://schemas.microsoft.com/office/drawing/2014/main" id="{FE0EB453-6D8C-4FA1-98FD-19A18957CE63}"/>
+              </a:ext>
+            </a:extLst>
+          </p:cNvPr>
+          <p:cNvSpPr txBox="1"/>
+          <p:nvPr/>
+        </p:nvSpPr>
+        <p:spPr>
+          <a:xfrm>
+            <a:off x="7215433" y="7193479"/>
+            <a:ext cx="7289618" cy="584904"/>
+          </a:xfrm>
+          <a:prstGeom prst="rect">
+            <a:avLst/>
+          </a:prstGeom>
+          <a:noFill/>
+        </p:spPr>
+        <p:txBody>
+          <a:bodyPr wrap="square" rtlCol="0">
+            <a:spAutoFit/>
+          </a:bodyPr>
+          <a:lstStyle/>
+          <a:p>
+            <a:r>
+              <a:rPr lang="fr-FR" sz="3201" dirty="0"/>
+              <a:t>&lt;</a:t>
+            </a:r>
+            <a:r>
+              <a:rPr lang="fr-FR" sz="3201" dirty="0" err="1"/>
+              <a:t>sectionB-filename</a:t>
+            </a:r>
+            <a:r>
+              <a:rPr lang="fr-FR" sz="3201" dirty="0"/>
+              <a:t>&gt;</a:t>
+            </a:r>
+            <a:r>
+              <a:rPr lang="fr-FR" sz="3201" b="1" dirty="0"/>
+              <a:t>.</a:t>
+            </a:r>
+            <a:r>
+              <a:rPr lang="fr-FR" sz="3201" b="1" dirty="0" err="1"/>
+              <a:t>adoc</a:t>
+            </a:r>
+            <a:endParaRPr lang="fr-FR" sz="3201" b="1" dirty="0"/>
+          </a:p>
+        </p:txBody>
+      </p:sp>
+      <p:sp>
+        <p:nvSpPr>
+          <p:cNvPr id="53" name="ZoneTexte 52">
+            <a:extLst>
+              <a:ext uri="{FF2B5EF4-FFF2-40B4-BE49-F238E27FC236}">
+                <a16:creationId xmlns:a16="http://schemas.microsoft.com/office/drawing/2014/main" id="{20223557-C628-4DC6-B66D-EE58CAAD5FD8}"/>
+              </a:ext>
+            </a:extLst>
+          </p:cNvPr>
+          <p:cNvSpPr txBox="1"/>
+          <p:nvPr/>
+        </p:nvSpPr>
+        <p:spPr>
+          <a:xfrm>
+            <a:off x="5157268" y="5828300"/>
+            <a:ext cx="5107764" cy="584904"/>
+          </a:xfrm>
+          <a:prstGeom prst="rect">
+            <a:avLst/>
+          </a:prstGeom>
+          <a:noFill/>
+        </p:spPr>
+        <p:txBody>
+          <a:bodyPr wrap="square" rtlCol="0">
+            <a:spAutoFit/>
+          </a:bodyPr>
+          <a:lstStyle/>
+          <a:p>
+            <a:r>
+              <a:rPr lang="fr-FR" sz="3201" b="1" dirty="0" err="1"/>
+              <a:t>sectionB</a:t>
+            </a:r>
+            <a:r>
+              <a:rPr lang="fr-FR" sz="3201" b="1" dirty="0"/>
+              <a:t>-folder</a:t>
+            </a:r>
+          </a:p>
+        </p:txBody>
+      </p:sp>
+      <p:sp>
+        <p:nvSpPr>
+          <p:cNvPr id="56" name="ZoneTexte 55">
+            <a:extLst>
+              <a:ext uri="{FF2B5EF4-FFF2-40B4-BE49-F238E27FC236}">
+                <a16:creationId xmlns:a16="http://schemas.microsoft.com/office/drawing/2014/main" id="{E5BF0047-2F7E-4E96-BC6E-6133F57B8AB8}"/>
+              </a:ext>
+            </a:extLst>
+          </p:cNvPr>
+          <p:cNvSpPr txBox="1"/>
+          <p:nvPr/>
+        </p:nvSpPr>
+        <p:spPr>
+          <a:xfrm>
+            <a:off x="11420379" y="7193479"/>
+            <a:ext cx="5699151" cy="584904"/>
+          </a:xfrm>
+          <a:prstGeom prst="rect">
+            <a:avLst/>
+          </a:prstGeom>
+          <a:noFill/>
+        </p:spPr>
+        <p:txBody>
+          <a:bodyPr wrap="square" rtlCol="0">
+            <a:spAutoFit/>
+          </a:bodyPr>
+          <a:lstStyle/>
+          <a:p>
+            <a:r>
+              <a:rPr lang="fr-FR" sz="3201" dirty="0"/>
+              <a:t>Documentation files</a:t>
+            </a:r>
+          </a:p>
+        </p:txBody>
+      </p:sp>
+      <p:cxnSp>
+        <p:nvCxnSpPr>
+          <p:cNvPr id="57" name="Connecteur droit avec flèche 21">
+            <a:extLst>
+              <a:ext uri="{FF2B5EF4-FFF2-40B4-BE49-F238E27FC236}">
+                <a16:creationId xmlns:a16="http://schemas.microsoft.com/office/drawing/2014/main" id="{D2299E9D-4B7E-4C3A-B9E2-CF16703518A7}"/>
+              </a:ext>
+            </a:extLst>
+          </p:cNvPr>
+          <p:cNvCxnSpPr>
+            <a:cxnSpLocks/>
+          </p:cNvCxnSpPr>
+          <p:nvPr/>
+        </p:nvCxnSpPr>
+        <p:spPr>
+          <a:xfrm rot="10800000" flipH="1" flipV="1">
+            <a:off x="6158352" y="4605175"/>
+            <a:ext cx="60559" cy="3147168"/>
+          </a:xfrm>
+          <a:prstGeom prst="bentConnector3">
+            <a:avLst>
+              <a:gd name="adj1" fmla="val -3476126"/>
+            </a:avLst>
+          </a:prstGeom>
+          <a:ln w="57150">
+            <a:solidFill>
+              <a:schemeClr val="accent2">
+                <a:lumMod val="75000"/>
+              </a:schemeClr>
+            </a:solidFill>
+            <a:prstDash val="solid"/>
+            <a:headEnd type="none" w="med" len="med"/>
+            <a:tailEnd type="none" w="med" len="med"/>
+          </a:ln>
+        </p:spPr>
+        <p:style>
+          <a:lnRef idx="1">
+            <a:schemeClr val="accent1"/>
+          </a:lnRef>
+          <a:fillRef idx="0">
+            <a:schemeClr val="accent1"/>
+          </a:fillRef>
+          <a:effectRef idx="0">
+            <a:schemeClr val="accent1"/>
+          </a:effectRef>
+          <a:fontRef idx="minor">
+            <a:schemeClr val="tx1"/>
+          </a:fontRef>
+        </p:style>
+      </p:cxnSp>
+      <p:sp>
+        <p:nvSpPr>
+          <p:cNvPr id="63" name="ZoneTexte 62">
+            <a:extLst>
+              <a:ext uri="{FF2B5EF4-FFF2-40B4-BE49-F238E27FC236}">
+                <a16:creationId xmlns:a16="http://schemas.microsoft.com/office/drawing/2014/main" id="{FC22F77D-F8A8-417D-9005-8A7B50D5890A}"/>
+              </a:ext>
+            </a:extLst>
+          </p:cNvPr>
+          <p:cNvSpPr txBox="1"/>
+          <p:nvPr/>
+        </p:nvSpPr>
+        <p:spPr>
+          <a:xfrm>
+            <a:off x="4170784" y="4985728"/>
+            <a:ext cx="5699151" cy="584904"/>
+          </a:xfrm>
+          <a:prstGeom prst="rect">
+            <a:avLst/>
+          </a:prstGeom>
+          <a:noFill/>
+        </p:spPr>
+        <p:txBody>
+          <a:bodyPr wrap="square" rtlCol="0">
+            <a:spAutoFit/>
+          </a:bodyPr>
+          <a:lstStyle/>
+          <a:p>
+            <a:r>
+              <a:rPr lang="fr-FR" sz="3201" b="1" dirty="0" err="1">
+                <a:solidFill>
+                  <a:srgbClr val="C00000"/>
+                </a:solidFill>
+              </a:rPr>
+              <a:t>include</a:t>
+            </a:r>
+            <a:endParaRPr lang="fr-FR" sz="3201" b="1" dirty="0">
+              <a:solidFill>
+                <a:srgbClr val="C00000"/>
+              </a:solidFill>
+            </a:endParaRPr>
+          </a:p>
+        </p:txBody>
+      </p:sp>
+      <p:sp>
+        <p:nvSpPr>
+          <p:cNvPr id="2" name="ZoneTexte 1">
+            <a:extLst>
+              <a:ext uri="{FF2B5EF4-FFF2-40B4-BE49-F238E27FC236}">
+                <a16:creationId xmlns:a16="http://schemas.microsoft.com/office/drawing/2014/main" id="{E8968CE3-B422-43A0-9CFF-0754C6DAE98B}"/>
+              </a:ext>
+            </a:extLst>
+          </p:cNvPr>
+          <p:cNvSpPr txBox="1"/>
+          <p:nvPr/>
+        </p:nvSpPr>
+        <p:spPr>
+          <a:xfrm>
+            <a:off x="14775798" y="693940"/>
+            <a:ext cx="6756334" cy="1077474"/>
+          </a:xfrm>
+          <a:prstGeom prst="rect">
+            <a:avLst/>
+          </a:prstGeom>
+          <a:noFill/>
+        </p:spPr>
+        <p:txBody>
+          <a:bodyPr wrap="square" rtlCol="0">
+            <a:spAutoFit/>
+          </a:bodyPr>
+          <a:lstStyle/>
+          <a:p>
+            <a:r>
+              <a:rPr lang="fr-FR" sz="3201" dirty="0"/>
+              <a:t>Documentation Inclusion (2)</a:t>
+            </a:r>
+            <a:br>
+              <a:rPr lang="fr-FR" sz="3201" dirty="0"/>
+            </a:br>
+            <a:r>
+              <a:rPr lang="fr-FR" sz="3201" dirty="0" err="1"/>
+              <a:t>Agregation</a:t>
+            </a:r>
+            <a:endParaRPr lang="fr-FR" sz="3201" dirty="0"/>
+          </a:p>
+        </p:txBody>
+      </p:sp>
+      <p:cxnSp>
+        <p:nvCxnSpPr>
+          <p:cNvPr id="55" name="Connecteur droit avec flèche 21">
+            <a:extLst>
+              <a:ext uri="{FF2B5EF4-FFF2-40B4-BE49-F238E27FC236}">
+                <a16:creationId xmlns:a16="http://schemas.microsoft.com/office/drawing/2014/main" id="{B78B61AC-758F-40A8-91E9-AFA6B4DEF773}"/>
+              </a:ext>
+            </a:extLst>
+          </p:cNvPr>
+          <p:cNvCxnSpPr>
+            <a:cxnSpLocks/>
+            <a:endCxn id="50" idx="1"/>
+          </p:cNvCxnSpPr>
+          <p:nvPr/>
+        </p:nvCxnSpPr>
+        <p:spPr>
+          <a:xfrm rot="16200000" flipH="1">
+            <a:off x="1993737" y="3866374"/>
+            <a:ext cx="3881036" cy="823655"/>
+          </a:xfrm>
+          <a:prstGeom prst="bentConnector2">
+            <a:avLst/>
+          </a:prstGeom>
+          <a:ln w="57150">
+            <a:solidFill>
+              <a:schemeClr val="accent1">
+                <a:lumMod val="40000"/>
+                <a:lumOff val="60000"/>
+              </a:schemeClr>
+            </a:solidFill>
+            <a:prstDash val="sysDash"/>
+            <a:headEnd type="none" w="med" len="med"/>
+            <a:tailEnd type="none" w="med" len="med"/>
+          </a:ln>
+        </p:spPr>
+        <p:style>
+          <a:lnRef idx="1">
+            <a:schemeClr val="accent1"/>
+          </a:lnRef>
+          <a:fillRef idx="0">
+            <a:schemeClr val="accent1"/>
+          </a:fillRef>
+          <a:effectRef idx="0">
+            <a:schemeClr val="accent1"/>
+          </a:effectRef>
+          <a:fontRef idx="minor">
+            <a:schemeClr val="tx1"/>
+          </a:fontRef>
+        </p:style>
+      </p:cxnSp>
+      <p:cxnSp>
+        <p:nvCxnSpPr>
+          <p:cNvPr id="58" name="Connecteur droit avec flèche 21">
+            <a:extLst>
+              <a:ext uri="{FF2B5EF4-FFF2-40B4-BE49-F238E27FC236}">
+                <a16:creationId xmlns:a16="http://schemas.microsoft.com/office/drawing/2014/main" id="{F563BF45-6D3B-4626-8D92-9D9E27C812BB}"/>
+              </a:ext>
+            </a:extLst>
+          </p:cNvPr>
+          <p:cNvCxnSpPr>
+            <a:cxnSpLocks/>
+            <a:endCxn id="7" idx="1"/>
+          </p:cNvCxnSpPr>
+          <p:nvPr/>
+        </p:nvCxnSpPr>
+        <p:spPr>
+          <a:xfrm rot="16200000" flipH="1">
+            <a:off x="3482420" y="2377689"/>
+            <a:ext cx="817670" cy="737657"/>
+          </a:xfrm>
+          <a:prstGeom prst="bentConnector2">
+            <a:avLst/>
+          </a:prstGeom>
+          <a:ln w="57150">
+            <a:solidFill>
+              <a:schemeClr val="accent1">
+                <a:lumMod val="40000"/>
+                <a:lumOff val="60000"/>
+              </a:schemeClr>
+            </a:solidFill>
+            <a:prstDash val="sysDash"/>
+            <a:headEnd type="none" w="med" len="med"/>
+            <a:tailEnd type="none" w="med" len="med"/>
+          </a:ln>
+        </p:spPr>
+        <p:style>
+          <a:lnRef idx="1">
+            <a:schemeClr val="accent1"/>
+          </a:lnRef>
+          <a:fillRef idx="0">
+            <a:schemeClr val="accent1"/>
+          </a:fillRef>
+          <a:effectRef idx="0">
+            <a:schemeClr val="accent1"/>
+          </a:effectRef>
+          <a:fontRef idx="minor">
+            <a:schemeClr val="tx1"/>
+          </a:fontRef>
+        </p:style>
+      </p:cxnSp>
+    </p:spTree>
+    <p:extLst>
+      <p:ext uri="{BB962C8B-B14F-4D97-AF65-F5344CB8AC3E}">
+        <p14:creationId xmlns:p14="http://schemas.microsoft.com/office/powerpoint/2010/main" val="2246803669"/>
+      </p:ext>
+    </p:extLst>
+  </p:cSld>
+  <p:clrMapOvr>
+    <a:masterClrMapping/>
+  </p:clrMapOvr>
+</p:sld>
+</file>
+
+<file path=ppt/slides/slide4.xml><?xml version="1.0" encoding="utf-8"?>
+<p:sld xmlns:a="http://schemas.openxmlformats.org/drawingml/2006/main" xmlns:r="http://schemas.openxmlformats.org/officeDocument/2006/relationships" xmlns:p="http://schemas.openxmlformats.org/presentationml/2006/main">
+  <p:cSld>
+    <p:spTree>
+      <p:nvGrpSpPr>
+        <p:cNvPr id="1" name=""/>
+        <p:cNvGrpSpPr/>
+        <p:nvPr/>
+      </p:nvGrpSpPr>
+      <p:grpSpPr>
+        <a:xfrm>
+          <a:off x="0" y="0"/>
+          <a:ext cx="0" cy="0"/>
+          <a:chOff x="0" y="0"/>
+          <a:chExt cx="0" cy="0"/>
+        </a:xfrm>
+      </p:grpSpPr>
+      <p:cxnSp>
+        <p:nvCxnSpPr>
+          <p:cNvPr id="38" name="Connecteur droit avec flèche 21">
+            <a:extLst>
+              <a:ext uri="{FF2B5EF4-FFF2-40B4-BE49-F238E27FC236}">
+                <a16:creationId xmlns:a16="http://schemas.microsoft.com/office/drawing/2014/main" id="{4468DAA4-96ED-45AA-A58E-E60860342456}"/>
+              </a:ext>
+            </a:extLst>
+          </p:cNvPr>
+          <p:cNvCxnSpPr>
+            <a:cxnSpLocks/>
+            <a:stCxn id="7" idx="2"/>
+            <a:endCxn id="10" idx="1"/>
+          </p:cNvCxnSpPr>
+          <p:nvPr/>
+        </p:nvCxnSpPr>
+        <p:spPr>
+          <a:xfrm rot="16200000" flipH="1">
+            <a:off x="3837908" y="2807523"/>
+            <a:ext cx="3176545" cy="1347593"/>
+          </a:xfrm>
+          <a:prstGeom prst="bentConnector2">
+            <a:avLst/>
+          </a:prstGeom>
+          <a:ln w="57150">
+            <a:solidFill>
+              <a:schemeClr val="accent1">
+                <a:lumMod val="40000"/>
+                <a:lumOff val="60000"/>
+              </a:schemeClr>
+            </a:solidFill>
+            <a:prstDash val="solid"/>
+            <a:headEnd type="none" w="med" len="med"/>
+            <a:tailEnd type="none" w="med" len="med"/>
+          </a:ln>
+        </p:spPr>
+        <p:style>
+          <a:lnRef idx="1">
+            <a:schemeClr val="accent1"/>
+          </a:lnRef>
+          <a:fillRef idx="0">
+            <a:schemeClr val="accent1"/>
+          </a:fillRef>
+          <a:effectRef idx="0">
+            <a:schemeClr val="accent1"/>
+          </a:effectRef>
+          <a:fontRef idx="minor">
+            <a:schemeClr val="tx1"/>
+          </a:fontRef>
+        </p:style>
+      </p:cxnSp>
+      <p:cxnSp>
+        <p:nvCxnSpPr>
+          <p:cNvPr id="41" name="Connecteur droit avec flèche 21">
+            <a:extLst>
+              <a:ext uri="{FF2B5EF4-FFF2-40B4-BE49-F238E27FC236}">
+                <a16:creationId xmlns:a16="http://schemas.microsoft.com/office/drawing/2014/main" id="{981D899F-6555-4C74-9D96-702FE63C54C0}"/>
+              </a:ext>
+            </a:extLst>
+          </p:cNvPr>
+          <p:cNvCxnSpPr>
+            <a:cxnSpLocks/>
+            <a:stCxn id="7" idx="2"/>
+            <a:endCxn id="13" idx="1"/>
+          </p:cNvCxnSpPr>
+          <p:nvPr/>
+        </p:nvCxnSpPr>
+        <p:spPr>
+          <a:xfrm rot="16200000" flipH="1">
+            <a:off x="3241282" y="3404150"/>
+            <a:ext cx="4404949" cy="1382744"/>
+          </a:xfrm>
+          <a:prstGeom prst="bentConnector2">
+            <a:avLst/>
+          </a:prstGeom>
+          <a:ln w="57150">
+            <a:solidFill>
+              <a:schemeClr val="accent1">
+                <a:lumMod val="40000"/>
+                <a:lumOff val="60000"/>
+              </a:schemeClr>
+            </a:solidFill>
+            <a:prstDash val="solid"/>
+            <a:headEnd type="none" w="med" len="med"/>
+            <a:tailEnd type="none" w="med" len="med"/>
+          </a:ln>
+        </p:spPr>
+        <p:style>
+          <a:lnRef idx="1">
+            <a:schemeClr val="accent1"/>
+          </a:lnRef>
+          <a:fillRef idx="0">
+            <a:schemeClr val="accent1"/>
+          </a:fillRef>
+          <a:effectRef idx="0">
+            <a:schemeClr val="accent1"/>
+          </a:effectRef>
+          <a:fontRef idx="minor">
+            <a:schemeClr val="tx1"/>
+          </a:fontRef>
+        </p:style>
+      </p:cxnSp>
+      <p:cxnSp>
+        <p:nvCxnSpPr>
+          <p:cNvPr id="44" name="Connecteur droit avec flèche 21">
+            <a:extLst>
+              <a:ext uri="{FF2B5EF4-FFF2-40B4-BE49-F238E27FC236}">
+                <a16:creationId xmlns:a16="http://schemas.microsoft.com/office/drawing/2014/main" id="{DD04C6FA-082E-433E-BF80-9DDF3959C21C}"/>
+              </a:ext>
+            </a:extLst>
+          </p:cNvPr>
+          <p:cNvCxnSpPr>
+            <a:cxnSpLocks/>
+            <a:stCxn id="7" idx="2"/>
+            <a:endCxn id="14" idx="1"/>
+          </p:cNvCxnSpPr>
+          <p:nvPr/>
+        </p:nvCxnSpPr>
+        <p:spPr>
+          <a:xfrm rot="16200000" flipH="1">
+            <a:off x="2616386" y="4029045"/>
+            <a:ext cx="5677965" cy="1405969"/>
+          </a:xfrm>
+          <a:prstGeom prst="bentConnector2">
+            <a:avLst/>
+          </a:prstGeom>
+          <a:ln w="57150">
+            <a:solidFill>
+              <a:schemeClr val="accent1">
+                <a:lumMod val="40000"/>
+                <a:lumOff val="60000"/>
+              </a:schemeClr>
+            </a:solidFill>
+            <a:prstDash val="solid"/>
+            <a:headEnd type="none" w="med" len="med"/>
+            <a:tailEnd type="none" w="med" len="med"/>
+          </a:ln>
+        </p:spPr>
+        <p:style>
+          <a:lnRef idx="1">
+            <a:schemeClr val="accent1"/>
+          </a:lnRef>
+          <a:fillRef idx="0">
+            <a:schemeClr val="accent1"/>
+          </a:fillRef>
+          <a:effectRef idx="0">
+            <a:schemeClr val="accent1"/>
+          </a:effectRef>
+          <a:fontRef idx="minor">
+            <a:schemeClr val="tx1"/>
+          </a:fontRef>
+        </p:style>
+      </p:cxnSp>
+      <p:pic>
+        <p:nvPicPr>
+          <p:cNvPr id="7" name="Image 6">
+            <a:extLst>
+              <a:ext uri="{FF2B5EF4-FFF2-40B4-BE49-F238E27FC236}">
+                <a16:creationId xmlns:a16="http://schemas.microsoft.com/office/drawing/2014/main" id="{CAB1C8A2-6BFB-483A-83CD-D43659CE480E}"/>
+              </a:ext>
+            </a:extLst>
+          </p:cNvPr>
+          <p:cNvPicPr>
+            <a:picLocks noChangeAspect="1"/>
+          </p:cNvPicPr>
+          <p:nvPr/>
+        </p:nvPicPr>
+        <p:blipFill>
+          <a:blip r:embed="rId2"/>
+          <a:stretch>
+            <a:fillRect/>
+          </a:stretch>
+        </p:blipFill>
+        <p:spPr>
+          <a:xfrm>
+            <a:off x="4260084" y="664641"/>
+            <a:ext cx="984599" cy="1228407"/>
+          </a:xfrm>
+          <a:prstGeom prst="rect">
+            <a:avLst/>
+          </a:prstGeom>
+        </p:spPr>
+      </p:pic>
+      <p:sp>
+        <p:nvSpPr>
+          <p:cNvPr id="8" name="ZoneTexte 7">
+            <a:extLst>
+              <a:ext uri="{FF2B5EF4-FFF2-40B4-BE49-F238E27FC236}">
+                <a16:creationId xmlns:a16="http://schemas.microsoft.com/office/drawing/2014/main" id="{921E500D-34C5-4D44-98C9-84F9C95A1851}"/>
+              </a:ext>
+            </a:extLst>
+          </p:cNvPr>
+          <p:cNvSpPr txBox="1"/>
+          <p:nvPr/>
+        </p:nvSpPr>
+        <p:spPr>
+          <a:xfrm>
+            <a:off x="7154869" y="4741302"/>
+            <a:ext cx="984599" cy="584904"/>
+          </a:xfrm>
+          <a:prstGeom prst="rect">
+            <a:avLst/>
+          </a:prstGeom>
+          <a:noFill/>
+        </p:spPr>
+        <p:txBody>
+          <a:bodyPr wrap="square" rtlCol="0">
+            <a:spAutoFit/>
+          </a:bodyPr>
+          <a:lstStyle/>
+          <a:p>
+            <a:r>
+              <a:rPr lang="fr-FR" sz="3201" b="1" dirty="0" err="1"/>
+              <a:t>img</a:t>
+            </a:r>
+            <a:endParaRPr lang="fr-FR" sz="3201" b="1" dirty="0"/>
+          </a:p>
+        </p:txBody>
+      </p:sp>
+      <p:pic>
+        <p:nvPicPr>
+          <p:cNvPr id="10" name="Image 9">
+            <a:extLst>
+              <a:ext uri="{FF2B5EF4-FFF2-40B4-BE49-F238E27FC236}">
+                <a16:creationId xmlns:a16="http://schemas.microsoft.com/office/drawing/2014/main" id="{625A470B-9284-4612-8E49-BC70495AC73B}"/>
+              </a:ext>
+            </a:extLst>
+          </p:cNvPr>
+          <p:cNvPicPr>
+            <a:picLocks noChangeAspect="1"/>
+          </p:cNvPicPr>
+          <p:nvPr/>
+        </p:nvPicPr>
+        <p:blipFill>
+          <a:blip r:embed="rId2"/>
+          <a:stretch>
+            <a:fillRect/>
+          </a:stretch>
+        </p:blipFill>
+        <p:spPr>
+          <a:xfrm>
+            <a:off x="6099977" y="4455389"/>
+            <a:ext cx="984599" cy="1228407"/>
+          </a:xfrm>
+          <a:prstGeom prst="rect">
+            <a:avLst/>
+          </a:prstGeom>
+        </p:spPr>
+      </p:pic>
+      <p:sp>
+        <p:nvSpPr>
+          <p:cNvPr id="12" name="ZoneTexte 11">
+            <a:extLst>
+              <a:ext uri="{FF2B5EF4-FFF2-40B4-BE49-F238E27FC236}">
+                <a16:creationId xmlns:a16="http://schemas.microsoft.com/office/drawing/2014/main" id="{3F45B812-6111-4C66-9575-710490881492}"/>
+              </a:ext>
+            </a:extLst>
+          </p:cNvPr>
+          <p:cNvSpPr txBox="1"/>
+          <p:nvPr/>
+        </p:nvSpPr>
+        <p:spPr>
+          <a:xfrm>
+            <a:off x="7154869" y="5941464"/>
+            <a:ext cx="984599" cy="584904"/>
+          </a:xfrm>
+          <a:prstGeom prst="rect">
+            <a:avLst/>
+          </a:prstGeom>
+          <a:noFill/>
+        </p:spPr>
+        <p:txBody>
+          <a:bodyPr wrap="square" rtlCol="0">
+            <a:spAutoFit/>
+          </a:bodyPr>
+          <a:lstStyle/>
+          <a:p>
+            <a:r>
+              <a:rPr lang="fr-FR" sz="3201" b="1" dirty="0" err="1"/>
+              <a:t>refs</a:t>
+            </a:r>
+            <a:endParaRPr lang="fr-FR" sz="3201" b="1" dirty="0"/>
+          </a:p>
+        </p:txBody>
+      </p:sp>
+      <p:pic>
+        <p:nvPicPr>
+          <p:cNvPr id="13" name="Image 12">
+            <a:extLst>
+              <a:ext uri="{FF2B5EF4-FFF2-40B4-BE49-F238E27FC236}">
+                <a16:creationId xmlns:a16="http://schemas.microsoft.com/office/drawing/2014/main" id="{EF999E20-5DF8-481E-BD6B-1D87B747FD07}"/>
+              </a:ext>
+            </a:extLst>
+          </p:cNvPr>
+          <p:cNvPicPr>
+            <a:picLocks noChangeAspect="1"/>
+          </p:cNvPicPr>
+          <p:nvPr/>
+        </p:nvPicPr>
+        <p:blipFill>
+          <a:blip r:embed="rId2"/>
+          <a:stretch>
+            <a:fillRect/>
+          </a:stretch>
+        </p:blipFill>
+        <p:spPr>
+          <a:xfrm>
+            <a:off x="6135128" y="5683793"/>
+            <a:ext cx="984599" cy="1228407"/>
+          </a:xfrm>
+          <a:prstGeom prst="rect">
+            <a:avLst/>
+          </a:prstGeom>
+        </p:spPr>
+      </p:pic>
+      <p:pic>
+        <p:nvPicPr>
+          <p:cNvPr id="14" name="Image 13">
+            <a:extLst>
+              <a:ext uri="{FF2B5EF4-FFF2-40B4-BE49-F238E27FC236}">
+                <a16:creationId xmlns:a16="http://schemas.microsoft.com/office/drawing/2014/main" id="{BE0BF8D8-F10F-442F-9A94-53FD316A85B1}"/>
+              </a:ext>
+            </a:extLst>
+          </p:cNvPr>
+          <p:cNvPicPr>
+            <a:picLocks noChangeAspect="1"/>
+          </p:cNvPicPr>
+          <p:nvPr/>
+        </p:nvPicPr>
+        <p:blipFill>
+          <a:blip r:embed="rId3"/>
+          <a:stretch>
+            <a:fillRect/>
+          </a:stretch>
+        </p:blipFill>
+        <p:spPr>
+          <a:xfrm>
+            <a:off x="6158353" y="6980539"/>
+            <a:ext cx="862007" cy="1180947"/>
+          </a:xfrm>
+          <a:prstGeom prst="rect">
+            <a:avLst/>
+          </a:prstGeom>
+        </p:spPr>
+      </p:pic>
+      <p:sp>
+        <p:nvSpPr>
+          <p:cNvPr id="15" name="ZoneTexte 14">
+            <a:extLst>
+              <a:ext uri="{FF2B5EF4-FFF2-40B4-BE49-F238E27FC236}">
+                <a16:creationId xmlns:a16="http://schemas.microsoft.com/office/drawing/2014/main" id="{740B31A3-9540-40FE-8D4E-DCA4BD6816E0}"/>
+              </a:ext>
+            </a:extLst>
+          </p:cNvPr>
+          <p:cNvSpPr txBox="1"/>
+          <p:nvPr/>
+        </p:nvSpPr>
+        <p:spPr>
+          <a:xfrm>
+            <a:off x="7154874" y="7242732"/>
+            <a:ext cx="7289618" cy="584904"/>
+          </a:xfrm>
+          <a:prstGeom prst="rect">
+            <a:avLst/>
+          </a:prstGeom>
+          <a:noFill/>
+        </p:spPr>
+        <p:txBody>
+          <a:bodyPr wrap="square" rtlCol="0">
+            <a:spAutoFit/>
+          </a:bodyPr>
+          <a:lstStyle/>
+          <a:p>
+            <a:r>
+              <a:rPr lang="fr-FR" sz="3201" i="1" dirty="0"/>
+              <a:t>&lt;</a:t>
+            </a:r>
+            <a:r>
+              <a:rPr lang="fr-FR" sz="3201" i="1" dirty="0" err="1"/>
+              <a:t>sectionA-filename</a:t>
+            </a:r>
+            <a:r>
+              <a:rPr lang="fr-FR" sz="3201" i="1" dirty="0"/>
+              <a:t>&gt;</a:t>
+            </a:r>
+            <a:r>
+              <a:rPr lang="fr-FR" sz="3201" b="1" dirty="0"/>
+              <a:t>.</a:t>
+            </a:r>
+            <a:r>
+              <a:rPr lang="fr-FR" sz="3201" b="1" dirty="0" err="1"/>
+              <a:t>adoc</a:t>
+            </a:r>
+            <a:endParaRPr lang="fr-FR" sz="3201" b="1" dirty="0"/>
+          </a:p>
+        </p:txBody>
+      </p:sp>
+      <p:sp>
+        <p:nvSpPr>
+          <p:cNvPr id="33" name="ZoneTexte 32">
+            <a:extLst>
+              <a:ext uri="{FF2B5EF4-FFF2-40B4-BE49-F238E27FC236}">
+                <a16:creationId xmlns:a16="http://schemas.microsoft.com/office/drawing/2014/main" id="{CA72E6A1-0B3D-4330-A604-14FF72A9EA70}"/>
+              </a:ext>
+            </a:extLst>
+          </p:cNvPr>
+          <p:cNvSpPr txBox="1"/>
+          <p:nvPr/>
+        </p:nvSpPr>
+        <p:spPr>
+          <a:xfrm>
+            <a:off x="8451166" y="5914045"/>
+            <a:ext cx="5699151" cy="584904"/>
+          </a:xfrm>
+          <a:prstGeom prst="rect">
+            <a:avLst/>
+          </a:prstGeom>
+          <a:noFill/>
+        </p:spPr>
+        <p:txBody>
+          <a:bodyPr wrap="square" rtlCol="0">
+            <a:spAutoFit/>
+          </a:bodyPr>
+          <a:lstStyle/>
+          <a:p>
+            <a:r>
+              <a:rPr lang="fr-FR" sz="3201" dirty="0" err="1"/>
+              <a:t>Third</a:t>
+            </a:r>
+            <a:r>
+              <a:rPr lang="fr-FR" sz="3201" dirty="0"/>
+              <a:t> party </a:t>
+            </a:r>
+            <a:r>
+              <a:rPr lang="fr-FR" sz="3201" dirty="0" err="1"/>
+              <a:t>tools</a:t>
+            </a:r>
+            <a:r>
+              <a:rPr lang="fr-FR" sz="3201" dirty="0"/>
+              <a:t> files (if possible)</a:t>
+            </a:r>
+          </a:p>
+        </p:txBody>
+      </p:sp>
+      <p:sp>
+        <p:nvSpPr>
+          <p:cNvPr id="54" name="ZoneTexte 53">
+            <a:extLst>
+              <a:ext uri="{FF2B5EF4-FFF2-40B4-BE49-F238E27FC236}">
+                <a16:creationId xmlns:a16="http://schemas.microsoft.com/office/drawing/2014/main" id="{2952468E-C517-408A-86BD-29B44A401BBF}"/>
+              </a:ext>
+            </a:extLst>
+          </p:cNvPr>
+          <p:cNvSpPr txBox="1"/>
+          <p:nvPr/>
+        </p:nvSpPr>
+        <p:spPr>
+          <a:xfrm>
+            <a:off x="8459551" y="4711692"/>
+            <a:ext cx="5699151" cy="584904"/>
+          </a:xfrm>
+          <a:prstGeom prst="rect">
+            <a:avLst/>
+          </a:prstGeom>
+          <a:noFill/>
+        </p:spPr>
+        <p:txBody>
+          <a:bodyPr wrap="square" rtlCol="0">
+            <a:spAutoFit/>
+          </a:bodyPr>
+          <a:lstStyle/>
+          <a:p>
+            <a:r>
+              <a:rPr lang="fr-FR" sz="3201" dirty="0"/>
+              <a:t>Pictures and </a:t>
+            </a:r>
+            <a:r>
+              <a:rPr lang="fr-FR" sz="3201" dirty="0" err="1"/>
+              <a:t>diagrams</a:t>
+            </a:r>
+            <a:r>
+              <a:rPr lang="fr-FR" sz="3201" dirty="0"/>
+              <a:t> files</a:t>
+            </a:r>
+          </a:p>
+        </p:txBody>
+      </p:sp>
+      <p:sp>
+        <p:nvSpPr>
+          <p:cNvPr id="69" name="ZoneTexte 68">
+            <a:extLst>
+              <a:ext uri="{FF2B5EF4-FFF2-40B4-BE49-F238E27FC236}">
+                <a16:creationId xmlns:a16="http://schemas.microsoft.com/office/drawing/2014/main" id="{03397BE5-FF80-4D43-A916-226DB7514755}"/>
+              </a:ext>
+            </a:extLst>
+          </p:cNvPr>
+          <p:cNvSpPr txBox="1"/>
+          <p:nvPr/>
+        </p:nvSpPr>
+        <p:spPr>
+          <a:xfrm>
+            <a:off x="5071269" y="888425"/>
+            <a:ext cx="5107764" cy="584904"/>
+          </a:xfrm>
+          <a:prstGeom prst="rect">
+            <a:avLst/>
+          </a:prstGeom>
+          <a:noFill/>
+        </p:spPr>
+        <p:txBody>
+          <a:bodyPr wrap="square" rtlCol="0">
+            <a:spAutoFit/>
+          </a:bodyPr>
+          <a:lstStyle/>
+          <a:p>
+            <a:r>
+              <a:rPr lang="fr-FR" sz="3201" b="1" dirty="0" err="1"/>
+              <a:t>sectionA</a:t>
+            </a:r>
+            <a:r>
+              <a:rPr lang="fr-FR" sz="3201" b="1" dirty="0"/>
+              <a:t>-folder</a:t>
+            </a:r>
+          </a:p>
+        </p:txBody>
+      </p:sp>
+      <p:sp>
+        <p:nvSpPr>
+          <p:cNvPr id="88" name="ZoneTexte 87">
+            <a:extLst>
+              <a:ext uri="{FF2B5EF4-FFF2-40B4-BE49-F238E27FC236}">
+                <a16:creationId xmlns:a16="http://schemas.microsoft.com/office/drawing/2014/main" id="{E9953752-E501-4989-B4F4-F7226717B970}"/>
+              </a:ext>
+            </a:extLst>
+          </p:cNvPr>
+          <p:cNvSpPr txBox="1"/>
+          <p:nvPr/>
+        </p:nvSpPr>
+        <p:spPr>
+          <a:xfrm>
+            <a:off x="12115126" y="7242732"/>
+            <a:ext cx="5699151" cy="584904"/>
+          </a:xfrm>
+          <a:prstGeom prst="rect">
+            <a:avLst/>
+          </a:prstGeom>
+          <a:noFill/>
+        </p:spPr>
+        <p:txBody>
+          <a:bodyPr wrap="square" rtlCol="0">
+            <a:spAutoFit/>
+          </a:bodyPr>
+          <a:lstStyle/>
+          <a:p>
+            <a:r>
+              <a:rPr lang="fr-FR" sz="3201" dirty="0"/>
+              <a:t>Documentation files</a:t>
+            </a:r>
+          </a:p>
+        </p:txBody>
+      </p:sp>
+      <p:sp>
+        <p:nvSpPr>
+          <p:cNvPr id="39" name="ZoneTexte 38">
+            <a:extLst>
+              <a:ext uri="{FF2B5EF4-FFF2-40B4-BE49-F238E27FC236}">
+                <a16:creationId xmlns:a16="http://schemas.microsoft.com/office/drawing/2014/main" id="{75274E78-E91E-43D2-97B2-9BE4A6BEA4FA}"/>
+              </a:ext>
+            </a:extLst>
+          </p:cNvPr>
+          <p:cNvSpPr txBox="1"/>
+          <p:nvPr/>
+        </p:nvSpPr>
+        <p:spPr>
+          <a:xfrm>
+            <a:off x="7146484" y="3346513"/>
+            <a:ext cx="1268915" cy="584904"/>
+          </a:xfrm>
+          <a:prstGeom prst="rect">
+            <a:avLst/>
+          </a:prstGeom>
+          <a:noFill/>
+        </p:spPr>
+        <p:txBody>
+          <a:bodyPr wrap="square" rtlCol="0">
+            <a:spAutoFit/>
+          </a:bodyPr>
+          <a:lstStyle/>
+          <a:p>
+            <a:r>
+              <a:rPr lang="fr-FR" sz="3201" b="1" dirty="0" err="1"/>
+              <a:t>css</a:t>
+            </a:r>
+            <a:endParaRPr lang="fr-FR" sz="3201" b="1" dirty="0"/>
+          </a:p>
+        </p:txBody>
+      </p:sp>
+      <p:pic>
+        <p:nvPicPr>
+          <p:cNvPr id="40" name="Image 39">
+            <a:extLst>
+              <a:ext uri="{FF2B5EF4-FFF2-40B4-BE49-F238E27FC236}">
+                <a16:creationId xmlns:a16="http://schemas.microsoft.com/office/drawing/2014/main" id="{90D5A57D-2F2A-445A-B9DD-A4D53E1A5F98}"/>
+              </a:ext>
+            </a:extLst>
+          </p:cNvPr>
+          <p:cNvPicPr>
+            <a:picLocks noChangeAspect="1"/>
+          </p:cNvPicPr>
+          <p:nvPr/>
+        </p:nvPicPr>
+        <p:blipFill>
+          <a:blip r:embed="rId2"/>
+          <a:stretch>
+            <a:fillRect/>
+          </a:stretch>
+        </p:blipFill>
+        <p:spPr>
+          <a:xfrm>
+            <a:off x="6091592" y="3060600"/>
+            <a:ext cx="984599" cy="1228407"/>
+          </a:xfrm>
+          <a:prstGeom prst="rect">
+            <a:avLst/>
+          </a:prstGeom>
+        </p:spPr>
+      </p:pic>
+      <p:sp>
+        <p:nvSpPr>
+          <p:cNvPr id="42" name="ZoneTexte 41">
+            <a:extLst>
+              <a:ext uri="{FF2B5EF4-FFF2-40B4-BE49-F238E27FC236}">
+                <a16:creationId xmlns:a16="http://schemas.microsoft.com/office/drawing/2014/main" id="{D1FBB659-6AD3-4BE7-9B73-FA680E1DF7D7}"/>
+              </a:ext>
+            </a:extLst>
+          </p:cNvPr>
+          <p:cNvSpPr txBox="1"/>
+          <p:nvPr/>
+        </p:nvSpPr>
+        <p:spPr>
+          <a:xfrm>
+            <a:off x="8451166" y="3316903"/>
+            <a:ext cx="5699151" cy="584904"/>
+          </a:xfrm>
+          <a:prstGeom prst="rect">
+            <a:avLst/>
+          </a:prstGeom>
+          <a:noFill/>
+        </p:spPr>
+        <p:txBody>
+          <a:bodyPr wrap="square" rtlCol="0">
+            <a:spAutoFit/>
+          </a:bodyPr>
+          <a:lstStyle/>
+          <a:p>
+            <a:r>
+              <a:rPr lang="fr-FR" sz="3201" dirty="0"/>
+              <a:t>CSS style files</a:t>
+            </a:r>
+          </a:p>
+        </p:txBody>
+      </p:sp>
+      <p:cxnSp>
+        <p:nvCxnSpPr>
+          <p:cNvPr id="43" name="Connecteur droit avec flèche 21">
+            <a:extLst>
+              <a:ext uri="{FF2B5EF4-FFF2-40B4-BE49-F238E27FC236}">
+                <a16:creationId xmlns:a16="http://schemas.microsoft.com/office/drawing/2014/main" id="{267F859D-AECC-4DAD-A844-55CEE5D6C398}"/>
+              </a:ext>
+            </a:extLst>
+          </p:cNvPr>
+          <p:cNvCxnSpPr>
+            <a:cxnSpLocks/>
+            <a:stCxn id="7" idx="2"/>
+            <a:endCxn id="40" idx="1"/>
+          </p:cNvCxnSpPr>
+          <p:nvPr/>
+        </p:nvCxnSpPr>
+        <p:spPr>
+          <a:xfrm rot="16200000" flipH="1">
+            <a:off x="4531110" y="2114322"/>
+            <a:ext cx="1781756" cy="1339208"/>
+          </a:xfrm>
+          <a:prstGeom prst="bentConnector2">
+            <a:avLst/>
+          </a:prstGeom>
+          <a:ln w="57150">
+            <a:solidFill>
+              <a:schemeClr val="accent1">
+                <a:lumMod val="40000"/>
+                <a:lumOff val="60000"/>
+              </a:schemeClr>
+            </a:solidFill>
+            <a:prstDash val="solid"/>
+            <a:headEnd type="none" w="med" len="med"/>
+            <a:tailEnd type="none" w="med" len="med"/>
+          </a:ln>
+        </p:spPr>
+        <p:style>
+          <a:lnRef idx="1">
+            <a:schemeClr val="accent1"/>
+          </a:lnRef>
+          <a:fillRef idx="0">
+            <a:schemeClr val="accent1"/>
+          </a:fillRef>
+          <a:effectRef idx="0">
+            <a:schemeClr val="accent1"/>
+          </a:effectRef>
+          <a:fontRef idx="minor">
+            <a:schemeClr val="tx1"/>
+          </a:fontRef>
+        </p:style>
+      </p:cxnSp>
+      <p:sp>
+        <p:nvSpPr>
+          <p:cNvPr id="45" name="ZoneTexte 44">
+            <a:extLst>
+              <a:ext uri="{FF2B5EF4-FFF2-40B4-BE49-F238E27FC236}">
+                <a16:creationId xmlns:a16="http://schemas.microsoft.com/office/drawing/2014/main" id="{DB42310B-895F-4B5E-A2EC-BCE3DAD59D17}"/>
+              </a:ext>
+            </a:extLst>
+          </p:cNvPr>
+          <p:cNvSpPr txBox="1"/>
+          <p:nvPr/>
+        </p:nvSpPr>
+        <p:spPr>
+          <a:xfrm>
+            <a:off x="7190917" y="2093825"/>
+            <a:ext cx="1268915" cy="584904"/>
+          </a:xfrm>
+          <a:prstGeom prst="rect">
+            <a:avLst/>
+          </a:prstGeom>
+          <a:noFill/>
+        </p:spPr>
+        <p:txBody>
+          <a:bodyPr wrap="square" rtlCol="0">
+            <a:spAutoFit/>
+          </a:bodyPr>
+          <a:lstStyle/>
+          <a:p>
+            <a:r>
+              <a:rPr lang="fr-FR" sz="3201" b="1" dirty="0" err="1"/>
+              <a:t>js</a:t>
+            </a:r>
+            <a:endParaRPr lang="fr-FR" sz="3201" b="1" dirty="0"/>
+          </a:p>
+        </p:txBody>
+      </p:sp>
+      <p:pic>
+        <p:nvPicPr>
+          <p:cNvPr id="46" name="Image 45">
+            <a:extLst>
+              <a:ext uri="{FF2B5EF4-FFF2-40B4-BE49-F238E27FC236}">
+                <a16:creationId xmlns:a16="http://schemas.microsoft.com/office/drawing/2014/main" id="{16DA8976-B112-4230-9E13-9C99D41536AF}"/>
+              </a:ext>
+            </a:extLst>
+          </p:cNvPr>
+          <p:cNvPicPr>
+            <a:picLocks noChangeAspect="1"/>
+          </p:cNvPicPr>
+          <p:nvPr/>
+        </p:nvPicPr>
+        <p:blipFill>
+          <a:blip r:embed="rId2"/>
+          <a:stretch>
+            <a:fillRect/>
+          </a:stretch>
+        </p:blipFill>
+        <p:spPr>
+          <a:xfrm>
+            <a:off x="6136025" y="1807912"/>
+            <a:ext cx="984599" cy="1228407"/>
+          </a:xfrm>
+          <a:prstGeom prst="rect">
+            <a:avLst/>
+          </a:prstGeom>
+        </p:spPr>
+      </p:pic>
+      <p:sp>
+        <p:nvSpPr>
+          <p:cNvPr id="47" name="ZoneTexte 46">
+            <a:extLst>
+              <a:ext uri="{FF2B5EF4-FFF2-40B4-BE49-F238E27FC236}">
+                <a16:creationId xmlns:a16="http://schemas.microsoft.com/office/drawing/2014/main" id="{3D738F93-D90C-4679-B179-AE10DA1AD983}"/>
+              </a:ext>
+            </a:extLst>
+          </p:cNvPr>
+          <p:cNvSpPr txBox="1"/>
+          <p:nvPr/>
+        </p:nvSpPr>
+        <p:spPr>
+          <a:xfrm>
+            <a:off x="8495599" y="2064215"/>
+            <a:ext cx="5699151" cy="584904"/>
+          </a:xfrm>
+          <a:prstGeom prst="rect">
+            <a:avLst/>
+          </a:prstGeom>
+          <a:noFill/>
+        </p:spPr>
+        <p:txBody>
+          <a:bodyPr wrap="square" rtlCol="0">
+            <a:spAutoFit/>
+          </a:bodyPr>
+          <a:lstStyle/>
+          <a:p>
+            <a:r>
+              <a:rPr lang="fr-FR" sz="3201" dirty="0"/>
+              <a:t>Javascript files</a:t>
+            </a:r>
+          </a:p>
+        </p:txBody>
+      </p:sp>
+      <p:cxnSp>
+        <p:nvCxnSpPr>
+          <p:cNvPr id="48" name="Connecteur droit avec flèche 21">
+            <a:extLst>
+              <a:ext uri="{FF2B5EF4-FFF2-40B4-BE49-F238E27FC236}">
+                <a16:creationId xmlns:a16="http://schemas.microsoft.com/office/drawing/2014/main" id="{18556B75-688C-4568-A511-10A2C2DAA283}"/>
+              </a:ext>
+            </a:extLst>
+          </p:cNvPr>
+          <p:cNvCxnSpPr>
+            <a:cxnSpLocks/>
+            <a:stCxn id="7" idx="2"/>
+            <a:endCxn id="46" idx="1"/>
+          </p:cNvCxnSpPr>
+          <p:nvPr/>
+        </p:nvCxnSpPr>
+        <p:spPr>
+          <a:xfrm rot="16200000" flipH="1">
+            <a:off x="5179670" y="1465761"/>
+            <a:ext cx="529068" cy="1383641"/>
+          </a:xfrm>
+          <a:prstGeom prst="bentConnector2">
+            <a:avLst/>
+          </a:prstGeom>
+          <a:ln w="57150">
+            <a:solidFill>
+              <a:schemeClr val="accent1">
+                <a:lumMod val="40000"/>
+                <a:lumOff val="60000"/>
+              </a:schemeClr>
+            </a:solidFill>
+            <a:prstDash val="solid"/>
+            <a:headEnd type="none" w="med" len="med"/>
+            <a:tailEnd type="none" w="med" len="med"/>
+          </a:ln>
+        </p:spPr>
+        <p:style>
+          <a:lnRef idx="1">
+            <a:schemeClr val="accent1"/>
+          </a:lnRef>
+          <a:fillRef idx="0">
+            <a:schemeClr val="accent1"/>
+          </a:fillRef>
+          <a:effectRef idx="0">
+            <a:schemeClr val="accent1"/>
+          </a:effectRef>
+          <a:fontRef idx="minor">
+            <a:schemeClr val="tx1"/>
+          </a:fontRef>
+        </p:style>
+      </p:cxnSp>
+      <p:cxnSp>
+        <p:nvCxnSpPr>
+          <p:cNvPr id="49" name="Connecteur droit avec flèche 21">
+            <a:extLst>
+              <a:ext uri="{FF2B5EF4-FFF2-40B4-BE49-F238E27FC236}">
+                <a16:creationId xmlns:a16="http://schemas.microsoft.com/office/drawing/2014/main" id="{04D11ACB-E1CE-4D27-A46A-E8060A034097}"/>
+              </a:ext>
+            </a:extLst>
+          </p:cNvPr>
+          <p:cNvCxnSpPr>
+            <a:cxnSpLocks/>
+            <a:stCxn id="50" idx="2"/>
+            <a:endCxn id="51" idx="1"/>
+          </p:cNvCxnSpPr>
+          <p:nvPr/>
+        </p:nvCxnSpPr>
+        <p:spPr>
+          <a:xfrm rot="16200000" flipH="1">
+            <a:off x="6718835" y="9937937"/>
+            <a:ext cx="688837" cy="871650"/>
+          </a:xfrm>
+          <a:prstGeom prst="bentConnector2">
+            <a:avLst/>
+          </a:prstGeom>
+          <a:ln w="57150">
+            <a:solidFill>
+              <a:schemeClr val="accent1">
+                <a:lumMod val="40000"/>
+                <a:lumOff val="60000"/>
+              </a:schemeClr>
+            </a:solidFill>
+            <a:prstDash val="solid"/>
+            <a:headEnd type="none" w="med" len="med"/>
+            <a:tailEnd type="none" w="med" len="med"/>
+          </a:ln>
+        </p:spPr>
+        <p:style>
+          <a:lnRef idx="1">
+            <a:schemeClr val="accent1"/>
+          </a:lnRef>
+          <a:fillRef idx="0">
+            <a:schemeClr val="accent1"/>
+          </a:fillRef>
+          <a:effectRef idx="0">
+            <a:schemeClr val="accent1"/>
+          </a:effectRef>
+          <a:fontRef idx="minor">
+            <a:schemeClr val="tx1"/>
+          </a:fontRef>
+        </p:style>
+      </p:cxnSp>
+      <p:pic>
+        <p:nvPicPr>
+          <p:cNvPr id="50" name="Image 49">
+            <a:extLst>
+              <a:ext uri="{FF2B5EF4-FFF2-40B4-BE49-F238E27FC236}">
+                <a16:creationId xmlns:a16="http://schemas.microsoft.com/office/drawing/2014/main" id="{4CEA6124-9B53-43BD-81CB-9C3BA28C9DEB}"/>
+              </a:ext>
+            </a:extLst>
+          </p:cNvPr>
+          <p:cNvPicPr>
+            <a:picLocks noChangeAspect="1"/>
+          </p:cNvPicPr>
+          <p:nvPr/>
+        </p:nvPicPr>
+        <p:blipFill>
+          <a:blip r:embed="rId2"/>
+          <a:stretch>
+            <a:fillRect/>
+          </a:stretch>
+        </p:blipFill>
+        <p:spPr>
+          <a:xfrm>
+            <a:off x="6135128" y="8800937"/>
+            <a:ext cx="984599" cy="1228407"/>
+          </a:xfrm>
+          <a:prstGeom prst="rect">
+            <a:avLst/>
+          </a:prstGeom>
+        </p:spPr>
+      </p:pic>
+      <p:pic>
+        <p:nvPicPr>
+          <p:cNvPr id="51" name="Image 50">
+            <a:extLst>
+              <a:ext uri="{FF2B5EF4-FFF2-40B4-BE49-F238E27FC236}">
+                <a16:creationId xmlns:a16="http://schemas.microsoft.com/office/drawing/2014/main" id="{03B197DF-EEAC-41A7-9FAE-13E52307ECAE}"/>
+              </a:ext>
+            </a:extLst>
+          </p:cNvPr>
+          <p:cNvPicPr>
+            <a:picLocks noChangeAspect="1"/>
+          </p:cNvPicPr>
+          <p:nvPr/>
+        </p:nvPicPr>
+        <p:blipFill>
+          <a:blip r:embed="rId3"/>
+          <a:stretch>
+            <a:fillRect/>
+          </a:stretch>
+        </p:blipFill>
+        <p:spPr>
+          <a:xfrm>
+            <a:off x="7499078" y="10127707"/>
+            <a:ext cx="862007" cy="1180947"/>
+          </a:xfrm>
+          <a:prstGeom prst="rect">
+            <a:avLst/>
+          </a:prstGeom>
+        </p:spPr>
+      </p:pic>
+      <p:sp>
+        <p:nvSpPr>
+          <p:cNvPr id="52" name="ZoneTexte 51">
+            <a:extLst>
+              <a:ext uri="{FF2B5EF4-FFF2-40B4-BE49-F238E27FC236}">
+                <a16:creationId xmlns:a16="http://schemas.microsoft.com/office/drawing/2014/main" id="{FE0EB453-6D8C-4FA1-98FD-19A18957CE63}"/>
+              </a:ext>
+            </a:extLst>
+          </p:cNvPr>
+          <p:cNvSpPr txBox="1"/>
+          <p:nvPr/>
+        </p:nvSpPr>
+        <p:spPr>
+          <a:xfrm>
+            <a:off x="8495599" y="10389900"/>
+            <a:ext cx="7289618" cy="584904"/>
+          </a:xfrm>
+          <a:prstGeom prst="rect">
+            <a:avLst/>
+          </a:prstGeom>
+          <a:noFill/>
+        </p:spPr>
+        <p:txBody>
+          <a:bodyPr wrap="square" rtlCol="0">
+            <a:spAutoFit/>
+          </a:bodyPr>
+          <a:lstStyle/>
+          <a:p>
+            <a:r>
+              <a:rPr lang="fr-FR" sz="3201" dirty="0"/>
+              <a:t>&lt;</a:t>
+            </a:r>
+            <a:r>
+              <a:rPr lang="fr-FR" sz="3201" dirty="0" err="1"/>
+              <a:t>sectionB-filename</a:t>
+            </a:r>
+            <a:r>
+              <a:rPr lang="fr-FR" sz="3201" dirty="0"/>
+              <a:t>&gt;</a:t>
+            </a:r>
+            <a:r>
+              <a:rPr lang="fr-FR" sz="3201" b="1" dirty="0"/>
+              <a:t>.</a:t>
+            </a:r>
+            <a:r>
+              <a:rPr lang="fr-FR" sz="3201" b="1" dirty="0" err="1"/>
+              <a:t>adoc</a:t>
+            </a:r>
+            <a:endParaRPr lang="fr-FR" sz="3201" b="1" dirty="0"/>
+          </a:p>
+        </p:txBody>
+      </p:sp>
+      <p:sp>
+        <p:nvSpPr>
+          <p:cNvPr id="53" name="ZoneTexte 52">
+            <a:extLst>
+              <a:ext uri="{FF2B5EF4-FFF2-40B4-BE49-F238E27FC236}">
+                <a16:creationId xmlns:a16="http://schemas.microsoft.com/office/drawing/2014/main" id="{20223557-C628-4DC6-B66D-EE58CAAD5FD8}"/>
+              </a:ext>
+            </a:extLst>
+          </p:cNvPr>
+          <p:cNvSpPr txBox="1"/>
+          <p:nvPr/>
+        </p:nvSpPr>
+        <p:spPr>
+          <a:xfrm>
+            <a:off x="6946313" y="9024721"/>
+            <a:ext cx="5107764" cy="584904"/>
+          </a:xfrm>
+          <a:prstGeom prst="rect">
+            <a:avLst/>
+          </a:prstGeom>
+          <a:noFill/>
+        </p:spPr>
+        <p:txBody>
+          <a:bodyPr wrap="square" rtlCol="0">
+            <a:spAutoFit/>
+          </a:bodyPr>
+          <a:lstStyle/>
+          <a:p>
+            <a:r>
+              <a:rPr lang="fr-FR" sz="3201" b="1" dirty="0" err="1"/>
+              <a:t>sectionB</a:t>
+            </a:r>
+            <a:r>
+              <a:rPr lang="fr-FR" sz="3201" b="1" dirty="0"/>
+              <a:t>-folder</a:t>
+            </a:r>
+          </a:p>
+        </p:txBody>
+      </p:sp>
+      <p:sp>
+        <p:nvSpPr>
+          <p:cNvPr id="56" name="ZoneTexte 55">
+            <a:extLst>
+              <a:ext uri="{FF2B5EF4-FFF2-40B4-BE49-F238E27FC236}">
+                <a16:creationId xmlns:a16="http://schemas.microsoft.com/office/drawing/2014/main" id="{E5BF0047-2F7E-4E96-BC6E-6133F57B8AB8}"/>
+              </a:ext>
+            </a:extLst>
+          </p:cNvPr>
+          <p:cNvSpPr txBox="1"/>
+          <p:nvPr/>
+        </p:nvSpPr>
+        <p:spPr>
+          <a:xfrm>
+            <a:off x="13304838" y="10389900"/>
+            <a:ext cx="5699151" cy="584904"/>
+          </a:xfrm>
+          <a:prstGeom prst="rect">
+            <a:avLst/>
+          </a:prstGeom>
+          <a:noFill/>
+        </p:spPr>
+        <p:txBody>
+          <a:bodyPr wrap="square" rtlCol="0">
+            <a:spAutoFit/>
+          </a:bodyPr>
+          <a:lstStyle/>
+          <a:p>
+            <a:r>
+              <a:rPr lang="fr-FR" sz="3201" dirty="0"/>
+              <a:t>Documentation files</a:t>
+            </a:r>
+          </a:p>
+        </p:txBody>
+      </p:sp>
+      <p:cxnSp>
+        <p:nvCxnSpPr>
+          <p:cNvPr id="57" name="Connecteur droit avec flèche 21">
+            <a:extLst>
+              <a:ext uri="{FF2B5EF4-FFF2-40B4-BE49-F238E27FC236}">
+                <a16:creationId xmlns:a16="http://schemas.microsoft.com/office/drawing/2014/main" id="{D2299E9D-4B7E-4C3A-B9E2-CF16703518A7}"/>
+              </a:ext>
+            </a:extLst>
+          </p:cNvPr>
+          <p:cNvCxnSpPr>
+            <a:cxnSpLocks/>
+          </p:cNvCxnSpPr>
+          <p:nvPr/>
+        </p:nvCxnSpPr>
+        <p:spPr>
+          <a:xfrm rot="10800000" flipH="1" flipV="1">
+            <a:off x="6158352" y="7812313"/>
+            <a:ext cx="1340725" cy="3147168"/>
+          </a:xfrm>
+          <a:prstGeom prst="bentConnector3">
+            <a:avLst>
+              <a:gd name="adj1" fmla="val -34101"/>
+            </a:avLst>
+          </a:prstGeom>
+          <a:ln w="57150">
+            <a:solidFill>
+              <a:schemeClr val="accent2">
+                <a:lumMod val="75000"/>
+              </a:schemeClr>
+            </a:solidFill>
+            <a:prstDash val="solid"/>
+            <a:headEnd type="none" w="med" len="med"/>
+            <a:tailEnd type="none" w="med" len="med"/>
+          </a:ln>
+        </p:spPr>
+        <p:style>
+          <a:lnRef idx="1">
+            <a:schemeClr val="accent1"/>
+          </a:lnRef>
+          <a:fillRef idx="0">
+            <a:schemeClr val="accent1"/>
+          </a:fillRef>
+          <a:effectRef idx="0">
+            <a:schemeClr val="accent1"/>
+          </a:effectRef>
+          <a:fontRef idx="minor">
+            <a:schemeClr val="tx1"/>
+          </a:fontRef>
+        </p:style>
+      </p:cxnSp>
+      <p:sp>
+        <p:nvSpPr>
+          <p:cNvPr id="63" name="ZoneTexte 62">
+            <a:extLst>
+              <a:ext uri="{FF2B5EF4-FFF2-40B4-BE49-F238E27FC236}">
+                <a16:creationId xmlns:a16="http://schemas.microsoft.com/office/drawing/2014/main" id="{FC22F77D-F8A8-417D-9005-8A7B50D5890A}"/>
+              </a:ext>
+            </a:extLst>
+          </p:cNvPr>
+          <p:cNvSpPr txBox="1"/>
+          <p:nvPr/>
+        </p:nvSpPr>
+        <p:spPr>
+          <a:xfrm>
+            <a:off x="5795065" y="8198145"/>
+            <a:ext cx="5699151" cy="584904"/>
+          </a:xfrm>
+          <a:prstGeom prst="rect">
+            <a:avLst/>
+          </a:prstGeom>
+          <a:noFill/>
+        </p:spPr>
+        <p:txBody>
+          <a:bodyPr wrap="square" rtlCol="0">
+            <a:spAutoFit/>
+          </a:bodyPr>
+          <a:lstStyle/>
+          <a:p>
+            <a:r>
+              <a:rPr lang="fr-FR" sz="3201" b="1" dirty="0" err="1">
+                <a:solidFill>
+                  <a:srgbClr val="C00000"/>
+                </a:solidFill>
+              </a:rPr>
+              <a:t>include</a:t>
+            </a:r>
+            <a:endParaRPr lang="fr-FR" sz="3201" b="1" dirty="0">
+              <a:solidFill>
+                <a:srgbClr val="C00000"/>
+              </a:solidFill>
+            </a:endParaRPr>
+          </a:p>
+        </p:txBody>
+      </p:sp>
+      <p:cxnSp>
+        <p:nvCxnSpPr>
+          <p:cNvPr id="64" name="Connecteur droit avec flèche 21">
+            <a:extLst>
+              <a:ext uri="{FF2B5EF4-FFF2-40B4-BE49-F238E27FC236}">
+                <a16:creationId xmlns:a16="http://schemas.microsoft.com/office/drawing/2014/main" id="{A89F505B-87DF-4079-8D8B-C9115B354B69}"/>
+              </a:ext>
+            </a:extLst>
+          </p:cNvPr>
+          <p:cNvCxnSpPr>
+            <a:cxnSpLocks/>
+            <a:stCxn id="7" idx="2"/>
+            <a:endCxn id="50" idx="1"/>
+          </p:cNvCxnSpPr>
+          <p:nvPr/>
+        </p:nvCxnSpPr>
+        <p:spPr>
+          <a:xfrm rot="16200000" flipH="1">
+            <a:off x="1682710" y="4962722"/>
+            <a:ext cx="7522093" cy="1382744"/>
+          </a:xfrm>
+          <a:prstGeom prst="bentConnector2">
+            <a:avLst/>
+          </a:prstGeom>
+          <a:ln w="57150">
+            <a:solidFill>
+              <a:schemeClr val="accent1">
+                <a:lumMod val="40000"/>
+                <a:lumOff val="60000"/>
+              </a:schemeClr>
+            </a:solidFill>
+            <a:prstDash val="sysDash"/>
+            <a:headEnd type="none" w="med" len="med"/>
+            <a:tailEnd type="none" w="med" len="med"/>
+          </a:ln>
+        </p:spPr>
+        <p:style>
+          <a:lnRef idx="1">
+            <a:schemeClr val="accent1"/>
+          </a:lnRef>
+          <a:fillRef idx="0">
+            <a:schemeClr val="accent1"/>
+          </a:fillRef>
+          <a:effectRef idx="0">
+            <a:schemeClr val="accent1"/>
+          </a:effectRef>
+          <a:fontRef idx="minor">
+            <a:schemeClr val="tx1"/>
+          </a:fontRef>
+        </p:style>
+      </p:cxnSp>
+      <p:sp>
+        <p:nvSpPr>
+          <p:cNvPr id="2" name="ZoneTexte 1">
+            <a:extLst>
+              <a:ext uri="{FF2B5EF4-FFF2-40B4-BE49-F238E27FC236}">
+                <a16:creationId xmlns:a16="http://schemas.microsoft.com/office/drawing/2014/main" id="{E8968CE3-B422-43A0-9CFF-0754C6DAE98B}"/>
+              </a:ext>
+            </a:extLst>
+          </p:cNvPr>
+          <p:cNvSpPr txBox="1"/>
+          <p:nvPr/>
+        </p:nvSpPr>
+        <p:spPr>
+          <a:xfrm>
+            <a:off x="14775798" y="693940"/>
+            <a:ext cx="6756334" cy="1077474"/>
+          </a:xfrm>
+          <a:prstGeom prst="rect">
+            <a:avLst/>
+          </a:prstGeom>
+          <a:noFill/>
+        </p:spPr>
+        <p:txBody>
+          <a:bodyPr wrap="square" rtlCol="0">
+            <a:spAutoFit/>
+          </a:bodyPr>
+          <a:lstStyle/>
+          <a:p>
+            <a:r>
+              <a:rPr lang="fr-FR" sz="3201" dirty="0"/>
+              <a:t>Documentation Inclusion (1)</a:t>
+            </a:r>
+            <a:br>
+              <a:rPr lang="fr-FR" sz="3201" dirty="0"/>
+            </a:br>
+            <a:r>
+              <a:rPr lang="fr-FR" sz="3201" dirty="0" err="1"/>
+              <a:t>Hierarchical</a:t>
+            </a:r>
+            <a:endParaRPr lang="fr-FR" sz="3201" dirty="0"/>
+          </a:p>
+        </p:txBody>
+      </p:sp>
+    </p:spTree>
+    <p:extLst>
+      <p:ext uri="{BB962C8B-B14F-4D97-AF65-F5344CB8AC3E}">
+        <p14:creationId xmlns:p14="http://schemas.microsoft.com/office/powerpoint/2010/main" val="3032801942"/>
+      </p:ext>
+    </p:extLst>
+  </p:cSld>
+  <p:clrMapOvr>
+    <a:masterClrMapping/>
+  </p:clrMapOvr>
+</p:sld>
+</file>
+
+<file path=ppt/slides/slide5.xml><?xml version="1.0" encoding="utf-8"?>
+<p:sld xmlns:a="http://schemas.openxmlformats.org/drawingml/2006/main" xmlns:r="http://schemas.openxmlformats.org/officeDocument/2006/relationships" xmlns:p="http://schemas.openxmlformats.org/presentationml/2006/main">
+  <p:cSld>
+    <p:spTree>
+      <p:nvGrpSpPr>
+        <p:cNvPr id="1" name=""/>
+        <p:cNvGrpSpPr/>
+        <p:nvPr/>
+      </p:nvGrpSpPr>
+      <p:grpSpPr>
+        <a:xfrm>
+          <a:off x="0" y="0"/>
+          <a:ext cx="0" cy="0"/>
+          <a:chOff x="0" y="0"/>
+          <a:chExt cx="0" cy="0"/>
+        </a:xfrm>
+      </p:grpSpPr>
+      <p:cxnSp>
+        <p:nvCxnSpPr>
           <p:cNvPr id="38" name="Connecteur droit avec flèche 21">
             <a:extLst>
               <a:ext uri="{FF2B5EF4-FFF2-40B4-BE49-F238E27FC236}">
@@ -5339,8 +7948,8 @@
           </a:prstGeom>
           <a:ln w="38100">
             <a:solidFill>
-              <a:schemeClr val="bg2">
-                <a:lumMod val="75000"/>
+              <a:schemeClr val="bg1">
+                <a:lumMod val="85000"/>
               </a:schemeClr>
             </a:solidFill>
             <a:prstDash val="sysDash"/>
@@ -5376,8 +7985,8 @@
         </p:nvSpPr>
         <p:spPr>
           <a:xfrm>
-            <a:off x="8445497" y="5635820"/>
-            <a:ext cx="1377948" cy="584904"/>
+            <a:off x="6764257" y="5763621"/>
+            <a:ext cx="3105777" cy="584904"/>
           </a:xfrm>
           <a:prstGeom prst="rect">
             <a:avLst/>
@@ -5392,8 +8001,14 @@
           <a:p>
             <a:pPr algn="ctr"/>
             <a:r>
-              <a:rPr lang="fr-FR" sz="3201" dirty="0"/>
-              <a:t>copy</a:t>
+              <a:rPr lang="fr-FR" sz="3201" i="1" dirty="0">
+                <a:solidFill>
+                  <a:schemeClr val="bg1">
+                    <a:lumMod val="65000"/>
+                  </a:schemeClr>
+                </a:solidFill>
+              </a:rPr>
+              <a:t>copy (if possible)</a:t>
             </a:r>
           </a:p>
         </p:txBody>
@@ -5481,7 +8096,7 @@
 </p:sld>
 </file>
 
-<file path=ppt/slides/slide3.xml><?xml version="1.0" encoding="utf-8"?>
+<file path=ppt/slides/slide6.xml><?xml version="1.0" encoding="utf-8"?>
 <p:sld xmlns:a="http://schemas.openxmlformats.org/drawingml/2006/main" xmlns:r="http://schemas.openxmlformats.org/officeDocument/2006/relationships" xmlns:p="http://schemas.openxmlformats.org/presentationml/2006/main">
   <p:cSld>
     <p:spTree>
